--- a/PPT/云计算GraphX实现汇报.pptx
+++ b/PPT/云计算GraphX实现汇报.pptx
@@ -5,33 +5,33 @@
     <p:sldMasterId id="2147483648" r:id="rId1"/>
   </p:sldMasterIdLst>
   <p:notesMasterIdLst>
-    <p:notesMasterId r:id="rId4"/>
+    <p:notesMasterId r:id="rId26"/>
   </p:notesMasterIdLst>
   <p:sldIdLst>
-    <p:sldId id="282" r:id="rId3"/>
-    <p:sldId id="257" r:id="rId5"/>
-    <p:sldId id="283" r:id="rId6"/>
-    <p:sldId id="341" r:id="rId7"/>
-    <p:sldId id="348" r:id="rId8"/>
-    <p:sldId id="360" r:id="rId9"/>
-    <p:sldId id="361" r:id="rId10"/>
-    <p:sldId id="373" r:id="rId11"/>
-    <p:sldId id="374" r:id="rId12"/>
-    <p:sldId id="363" r:id="rId13"/>
-    <p:sldId id="362" r:id="rId14"/>
-    <p:sldId id="375" r:id="rId15"/>
-    <p:sldId id="376" r:id="rId16"/>
-    <p:sldId id="377" r:id="rId17"/>
-    <p:sldId id="378" r:id="rId18"/>
-    <p:sldId id="379" r:id="rId19"/>
-    <p:sldId id="380" r:id="rId20"/>
-    <p:sldId id="351" r:id="rId21"/>
-    <p:sldId id="342" r:id="rId22"/>
-    <p:sldId id="343" r:id="rId23"/>
-    <p:sldId id="344" r:id="rId24"/>
-    <p:sldId id="346" r:id="rId25"/>
-    <p:sldId id="354" r:id="rId26"/>
-    <p:sldId id="281" r:id="rId27"/>
+    <p:sldId id="282" r:id="rId2"/>
+    <p:sldId id="257" r:id="rId3"/>
+    <p:sldId id="283" r:id="rId4"/>
+    <p:sldId id="341" r:id="rId5"/>
+    <p:sldId id="348" r:id="rId6"/>
+    <p:sldId id="360" r:id="rId7"/>
+    <p:sldId id="361" r:id="rId8"/>
+    <p:sldId id="373" r:id="rId9"/>
+    <p:sldId id="374" r:id="rId10"/>
+    <p:sldId id="363" r:id="rId11"/>
+    <p:sldId id="362" r:id="rId12"/>
+    <p:sldId id="375" r:id="rId13"/>
+    <p:sldId id="376" r:id="rId14"/>
+    <p:sldId id="377" r:id="rId15"/>
+    <p:sldId id="378" r:id="rId16"/>
+    <p:sldId id="379" r:id="rId17"/>
+    <p:sldId id="380" r:id="rId18"/>
+    <p:sldId id="351" r:id="rId19"/>
+    <p:sldId id="342" r:id="rId20"/>
+    <p:sldId id="343" r:id="rId21"/>
+    <p:sldId id="344" r:id="rId22"/>
+    <p:sldId id="346" r:id="rId23"/>
+    <p:sldId id="354" r:id="rId24"/>
+    <p:sldId id="281" r:id="rId25"/>
   </p:sldIdLst>
   <p:sldSz cx="9144000" cy="6858000" type="screen4x3"/>
   <p:notesSz cx="6858000" cy="9144000"/>
@@ -130,6 +130,11 @@
       </a:defRPr>
     </a:lvl9pPr>
   </p:defaultTextStyle>
+  <p:extLst>
+    <p:ext uri="{EFAFB233-063F-42B5-8137-9DF3F51BA10A}">
+      <p15:sldGuideLst xmlns:p15="http://schemas.microsoft.com/office/powerpoint/2012/main"/>
+    </p:ext>
+  </p:extLst>
 </p:presentation>
 </file>
 
@@ -909,7 +914,7 @@
         </a:p>
       </dgm:t>
     </dgm:pt>
-    <dgm:pt modelId="{131593F3-A808-45DA-B18A-0E59A8226878}" cxnId="{BB640DED-D22C-4BF8-B987-F1FD099FC19E}" type="parTrans">
+    <dgm:pt modelId="{131593F3-A808-45DA-B18A-0E59A8226878}" type="parTrans" cxnId="{BB640DED-D22C-4BF8-B987-F1FD099FC19E}">
       <dgm:prSet/>
       <dgm:spPr/>
       <dgm:t>
@@ -920,7 +925,7 @@
         </a:p>
       </dgm:t>
     </dgm:pt>
-    <dgm:pt modelId="{CFDFFD12-B94F-4350-9D1E-AA36127C79C2}" cxnId="{BB640DED-D22C-4BF8-B987-F1FD099FC19E}" type="sibTrans">
+    <dgm:pt modelId="{CFDFFD12-B94F-4350-9D1E-AA36127C79C2}" type="sibTrans" cxnId="{BB640DED-D22C-4BF8-B987-F1FD099FC19E}">
       <dgm:prSet/>
       <dgm:spPr/>
       <dgm:t>
@@ -950,7 +955,7 @@
         </a:p>
       </dgm:t>
     </dgm:pt>
-    <dgm:pt modelId="{13A8FE4C-A5C8-41A0-A0EE-032FC2DD6A08}" cxnId="{90FD6798-6AC7-4F93-B52F-4A761F6E7034}" type="parTrans">
+    <dgm:pt modelId="{13A8FE4C-A5C8-41A0-A0EE-032FC2DD6A08}" type="parTrans" cxnId="{90FD6798-6AC7-4F93-B52F-4A761F6E7034}">
       <dgm:prSet/>
       <dgm:spPr/>
       <dgm:t>
@@ -961,7 +966,7 @@
         </a:p>
       </dgm:t>
     </dgm:pt>
-    <dgm:pt modelId="{E26C518C-4DA3-4EF6-9872-0CD12AC81182}" cxnId="{90FD6798-6AC7-4F93-B52F-4A761F6E7034}" type="sibTrans">
+    <dgm:pt modelId="{E26C518C-4DA3-4EF6-9872-0CD12AC81182}" type="sibTrans" cxnId="{90FD6798-6AC7-4F93-B52F-4A761F6E7034}">
       <dgm:prSet/>
       <dgm:spPr/>
       <dgm:t>
@@ -993,7 +998,7 @@
         </a:p>
       </dgm:t>
     </dgm:pt>
-    <dgm:pt modelId="{CB5AE25D-C71E-4ECC-AE78-B800F646D212}" cxnId="{DAB29E65-18B7-43C2-94A2-65D76B17446D}" type="parTrans">
+    <dgm:pt modelId="{CB5AE25D-C71E-4ECC-AE78-B800F646D212}" type="parTrans" cxnId="{DAB29E65-18B7-43C2-94A2-65D76B17446D}">
       <dgm:prSet/>
       <dgm:spPr/>
       <dgm:t>
@@ -1004,7 +1009,7 @@
         </a:p>
       </dgm:t>
     </dgm:pt>
-    <dgm:pt modelId="{CA10B439-3171-48E0-B0A4-78E755DB5E76}" cxnId="{DAB29E65-18B7-43C2-94A2-65D76B17446D}" type="sibTrans">
+    <dgm:pt modelId="{CA10B439-3171-48E0-B0A4-78E755DB5E76}" type="sibTrans" cxnId="{DAB29E65-18B7-43C2-94A2-65D76B17446D}">
       <dgm:prSet/>
       <dgm:spPr/>
       <dgm:t>
@@ -1037,7 +1042,7 @@
         </a:p>
       </dgm:t>
     </dgm:pt>
-    <dgm:pt modelId="{4A77A721-2D63-4291-B129-04BB1E3799BC}" cxnId="{F302B207-CA19-4CB7-B8E7-4D155FC678F0}" type="parTrans">
+    <dgm:pt modelId="{4A77A721-2D63-4291-B129-04BB1E3799BC}" type="parTrans" cxnId="{F302B207-CA19-4CB7-B8E7-4D155FC678F0}">
       <dgm:prSet/>
       <dgm:spPr/>
       <dgm:t>
@@ -1048,7 +1053,7 @@
         </a:p>
       </dgm:t>
     </dgm:pt>
-    <dgm:pt modelId="{6E83A3CB-F948-4FAD-928B-F7B3476D6577}" cxnId="{F302B207-CA19-4CB7-B8E7-4D155FC678F0}" type="sibTrans">
+    <dgm:pt modelId="{6E83A3CB-F948-4FAD-928B-F7B3476D6577}" type="sibTrans" cxnId="{F302B207-CA19-4CB7-B8E7-4D155FC678F0}">
       <dgm:prSet/>
       <dgm:spPr/>
       <dgm:t>
@@ -1081,7 +1086,7 @@
         </a:p>
       </dgm:t>
     </dgm:pt>
-    <dgm:pt modelId="{3756D966-7AA9-425F-B047-73AC1EC92457}" cxnId="{B898E637-AFF7-44E6-960A-CB78117AC5F4}" type="parTrans">
+    <dgm:pt modelId="{3756D966-7AA9-425F-B047-73AC1EC92457}" type="parTrans" cxnId="{B898E637-AFF7-44E6-960A-CB78117AC5F4}">
       <dgm:prSet/>
       <dgm:spPr/>
       <dgm:t>
@@ -1092,7 +1097,7 @@
         </a:p>
       </dgm:t>
     </dgm:pt>
-    <dgm:pt modelId="{39AD0E40-3A03-4D88-95C6-723FD6489C0E}" cxnId="{B898E637-AFF7-44E6-960A-CB78117AC5F4}" type="sibTrans">
+    <dgm:pt modelId="{39AD0E40-3A03-4D88-95C6-723FD6489C0E}" type="sibTrans" cxnId="{B898E637-AFF7-44E6-960A-CB78117AC5F4}">
       <dgm:prSet/>
       <dgm:spPr/>
       <dgm:t>
@@ -1118,7 +1123,7 @@
         </a:p>
       </dgm:t>
     </dgm:pt>
-    <dgm:pt modelId="{E340A681-4BCA-4A50-AE1A-1DB41F68F4DA}" cxnId="{5C484879-AA32-4DC7-8A30-44F0037275FB}" type="parTrans">
+    <dgm:pt modelId="{E340A681-4BCA-4A50-AE1A-1DB41F68F4DA}" type="parTrans" cxnId="{5C484879-AA32-4DC7-8A30-44F0037275FB}">
       <dgm:prSet/>
       <dgm:spPr/>
       <dgm:t>
@@ -1129,7 +1134,7 @@
         </a:p>
       </dgm:t>
     </dgm:pt>
-    <dgm:pt modelId="{6473A91D-1263-4607-B6B0-22922E9AB2B3}" cxnId="{5C484879-AA32-4DC7-8A30-44F0037275FB}" type="sibTrans">
+    <dgm:pt modelId="{6473A91D-1263-4607-B6B0-22922E9AB2B3}" type="sibTrans" cxnId="{5C484879-AA32-4DC7-8A30-44F0037275FB}">
       <dgm:prSet/>
       <dgm:spPr/>
       <dgm:t>
@@ -1155,7 +1160,7 @@
         </a:p>
       </dgm:t>
     </dgm:pt>
-    <dgm:pt modelId="{9AA091E5-57EC-4146-B81C-1DD0994A085E}" cxnId="{3026A41F-A6E2-4788-9B91-0517124D06CD}" type="parTrans">
+    <dgm:pt modelId="{9AA091E5-57EC-4146-B81C-1DD0994A085E}" type="parTrans" cxnId="{3026A41F-A6E2-4788-9B91-0517124D06CD}">
       <dgm:prSet/>
       <dgm:spPr/>
       <dgm:t>
@@ -1166,7 +1171,7 @@
         </a:p>
       </dgm:t>
     </dgm:pt>
-    <dgm:pt modelId="{3DC616D1-5A50-4BC1-9211-DF471B65CCC5}" cxnId="{3026A41F-A6E2-4788-9B91-0517124D06CD}" type="sibTrans">
+    <dgm:pt modelId="{3DC616D1-5A50-4BC1-9211-DF471B65CCC5}" type="sibTrans" cxnId="{3026A41F-A6E2-4788-9B91-0517124D06CD}">
       <dgm:prSet/>
       <dgm:spPr/>
       <dgm:t>
@@ -1343,7 +1348,7 @@
   <dgm:whole/>
   <dgm:extLst>
     <a:ext uri="http://schemas.microsoft.com/office/drawing/2008/diagram">
-      <dsp:dataModelExt xmlns:dsp="http://schemas.microsoft.com/office/drawing/2008/diagram" relId="rId6" minVer="http://schemas.openxmlformats.org/drawingml/2006/diagram"/>
+      <dsp:dataModelExt xmlns:dsp="http://schemas.microsoft.com/office/drawing/2008/diagram" relId="rId8" minVer="http://schemas.openxmlformats.org/drawingml/2006/diagram"/>
     </a:ext>
   </dgm:extLst>
 </dgm:dataModel>
@@ -2570,6 +2575,7 @@
       <a:camera prst="orthographicFront"/>
       <a:lightRig rig="threePt" dir="t"/>
     </dgm:scene3d>
+    <dgm:sp3d/>
     <dgm:txPr/>
     <dgm:style>
       <a:lnRef idx="2">
@@ -2589,6 +2595,7 @@
       <a:camera prst="orthographicFront"/>
       <a:lightRig rig="threePt" dir="t"/>
     </dgm:scene3d>
+    <dgm:sp3d/>
     <dgm:txPr/>
     <dgm:style>
       <a:lnRef idx="2">
@@ -2608,6 +2615,7 @@
       <a:camera prst="orthographicFront"/>
       <a:lightRig rig="threePt" dir="t"/>
     </dgm:scene3d>
+    <dgm:sp3d/>
     <dgm:txPr/>
     <dgm:style>
       <a:lnRef idx="2">
@@ -2627,6 +2635,7 @@
       <a:camera prst="orthographicFront"/>
       <a:lightRig rig="threePt" dir="t"/>
     </dgm:scene3d>
+    <dgm:sp3d/>
     <dgm:txPr/>
     <dgm:style>
       <a:lnRef idx="2">
@@ -2648,6 +2657,7 @@
       <a:camera prst="orthographicFront"/>
       <a:lightRig rig="threePt" dir="t"/>
     </dgm:scene3d>
+    <dgm:sp3d/>
     <dgm:txPr/>
     <dgm:style>
       <a:lnRef idx="2">
@@ -2669,6 +2679,7 @@
       <a:camera prst="orthographicFront"/>
       <a:lightRig rig="threePt" dir="t"/>
     </dgm:scene3d>
+    <dgm:sp3d/>
     <dgm:txPr/>
     <dgm:style>
       <a:lnRef idx="2">
@@ -2690,6 +2701,7 @@
       <a:camera prst="orthographicFront"/>
       <a:lightRig rig="threePt" dir="t"/>
     </dgm:scene3d>
+    <dgm:sp3d/>
     <dgm:txPr/>
     <dgm:style>
       <a:lnRef idx="2">
@@ -2711,6 +2723,7 @@
       <a:camera prst="orthographicFront"/>
       <a:lightRig rig="threePt" dir="t"/>
     </dgm:scene3d>
+    <dgm:sp3d/>
     <dgm:txPr/>
     <dgm:style>
       <a:lnRef idx="2">
@@ -2732,6 +2745,7 @@
       <a:camera prst="orthographicFront"/>
       <a:lightRig rig="threePt" dir="t"/>
     </dgm:scene3d>
+    <dgm:sp3d/>
     <dgm:txPr/>
     <dgm:style>
       <a:lnRef idx="2">
@@ -2753,6 +2767,7 @@
       <a:camera prst="orthographicFront"/>
       <a:lightRig rig="threePt" dir="t"/>
     </dgm:scene3d>
+    <dgm:sp3d/>
     <dgm:txPr/>
     <dgm:style>
       <a:lnRef idx="2">
@@ -2772,6 +2787,7 @@
       <a:camera prst="orthographicFront"/>
       <a:lightRig rig="threePt" dir="t"/>
     </dgm:scene3d>
+    <dgm:sp3d/>
     <dgm:txPr/>
     <dgm:style>
       <a:lnRef idx="2">
@@ -2791,6 +2807,7 @@
       <a:camera prst="orthographicFront"/>
       <a:lightRig rig="threePt" dir="t"/>
     </dgm:scene3d>
+    <dgm:sp3d/>
     <dgm:txPr/>
     <dgm:style>
       <a:lnRef idx="2">
@@ -2810,6 +2827,7 @@
       <a:camera prst="orthographicFront"/>
       <a:lightRig rig="threePt" dir="t"/>
     </dgm:scene3d>
+    <dgm:sp3d/>
     <dgm:txPr/>
     <dgm:style>
       <a:lnRef idx="0">
@@ -2829,6 +2847,7 @@
       <a:camera prst="orthographicFront"/>
       <a:lightRig rig="threePt" dir="t"/>
     </dgm:scene3d>
+    <dgm:sp3d/>
     <dgm:txPr/>
     <dgm:style>
       <a:lnRef idx="0">
@@ -2850,6 +2869,7 @@
       <a:camera prst="orthographicFront"/>
       <a:lightRig rig="threePt" dir="t"/>
     </dgm:scene3d>
+    <dgm:sp3d/>
     <dgm:txPr/>
     <dgm:style>
       <a:lnRef idx="2">
@@ -2869,6 +2889,7 @@
       <a:camera prst="orthographicFront"/>
       <a:lightRig rig="threePt" dir="t"/>
     </dgm:scene3d>
+    <dgm:sp3d/>
     <dgm:txPr/>
     <dgm:style>
       <a:lnRef idx="2">
@@ -2888,6 +2909,7 @@
       <a:camera prst="orthographicFront"/>
       <a:lightRig rig="threePt" dir="t"/>
     </dgm:scene3d>
+    <dgm:sp3d/>
     <dgm:txPr/>
     <dgm:style>
       <a:lnRef idx="0">
@@ -2907,6 +2929,7 @@
       <a:camera prst="orthographicFront"/>
       <a:lightRig rig="threePt" dir="t"/>
     </dgm:scene3d>
+    <dgm:sp3d/>
     <dgm:txPr/>
     <dgm:style>
       <a:lnRef idx="2">
@@ -2926,6 +2949,7 @@
       <a:camera prst="orthographicFront"/>
       <a:lightRig rig="threePt" dir="t"/>
     </dgm:scene3d>
+    <dgm:sp3d/>
     <dgm:txPr/>
     <dgm:style>
       <a:lnRef idx="2">
@@ -2945,6 +2969,7 @@
       <a:camera prst="orthographicFront"/>
       <a:lightRig rig="threePt" dir="t"/>
     </dgm:scene3d>
+    <dgm:sp3d/>
     <dgm:txPr/>
     <dgm:style>
       <a:lnRef idx="2">
@@ -2964,6 +2989,7 @@
       <a:camera prst="orthographicFront"/>
       <a:lightRig rig="threePt" dir="t"/>
     </dgm:scene3d>
+    <dgm:sp3d/>
     <dgm:txPr/>
     <dgm:style>
       <a:lnRef idx="2">
@@ -2983,6 +3009,7 @@
       <a:camera prst="orthographicFront"/>
       <a:lightRig rig="threePt" dir="t"/>
     </dgm:scene3d>
+    <dgm:sp3d/>
     <dgm:txPr/>
     <dgm:style>
       <a:lnRef idx="2">
@@ -3002,6 +3029,7 @@
       <a:camera prst="orthographicFront"/>
       <a:lightRig rig="threePt" dir="t"/>
     </dgm:scene3d>
+    <dgm:sp3d/>
     <dgm:txPr/>
     <dgm:style>
       <a:lnRef idx="2">
@@ -3021,6 +3049,7 @@
       <a:camera prst="orthographicFront"/>
       <a:lightRig rig="threePt" dir="t"/>
     </dgm:scene3d>
+    <dgm:sp3d/>
     <dgm:txPr/>
     <dgm:style>
       <a:lnRef idx="2">
@@ -3040,6 +3069,7 @@
       <a:camera prst="orthographicFront"/>
       <a:lightRig rig="threePt" dir="t"/>
     </dgm:scene3d>
+    <dgm:sp3d/>
     <dgm:txPr/>
     <dgm:style>
       <a:lnRef idx="2">
@@ -3059,6 +3089,7 @@
       <a:camera prst="orthographicFront"/>
       <a:lightRig rig="threePt" dir="t"/>
     </dgm:scene3d>
+    <dgm:sp3d/>
     <dgm:txPr/>
     <dgm:style>
       <a:lnRef idx="0">
@@ -3080,6 +3111,7 @@
       <a:camera prst="orthographicFront"/>
       <a:lightRig rig="threePt" dir="t"/>
     </dgm:scene3d>
+    <dgm:sp3d/>
     <dgm:txPr/>
     <dgm:style>
       <a:lnRef idx="2">
@@ -3101,6 +3133,7 @@
       <a:camera prst="orthographicFront"/>
       <a:lightRig rig="threePt" dir="t"/>
     </dgm:scene3d>
+    <dgm:sp3d/>
     <dgm:txPr/>
     <dgm:style>
       <a:lnRef idx="2">
@@ -3122,6 +3155,7 @@
       <a:camera prst="orthographicFront"/>
       <a:lightRig rig="threePt" dir="t"/>
     </dgm:scene3d>
+    <dgm:sp3d/>
     <dgm:txPr/>
     <dgm:style>
       <a:lnRef idx="2">
@@ -3143,6 +3177,7 @@
       <a:camera prst="orthographicFront"/>
       <a:lightRig rig="threePt" dir="t"/>
     </dgm:scene3d>
+    <dgm:sp3d/>
     <dgm:txPr/>
     <dgm:style>
       <a:lnRef idx="2">
@@ -3164,6 +3199,7 @@
       <a:camera prst="orthographicFront"/>
       <a:lightRig rig="threePt" dir="t"/>
     </dgm:scene3d>
+    <dgm:sp3d/>
     <dgm:txPr/>
     <dgm:style>
       <a:lnRef idx="2">
@@ -3185,6 +3221,7 @@
       <a:camera prst="orthographicFront"/>
       <a:lightRig rig="threePt" dir="t"/>
     </dgm:scene3d>
+    <dgm:sp3d/>
     <dgm:txPr/>
     <dgm:style>
       <a:lnRef idx="2">
@@ -3206,6 +3243,7 @@
       <a:camera prst="orthographicFront"/>
       <a:lightRig rig="threePt" dir="t"/>
     </dgm:scene3d>
+    <dgm:sp3d/>
     <dgm:txPr/>
     <dgm:style>
       <a:lnRef idx="2">
@@ -3225,6 +3263,7 @@
       <a:camera prst="orthographicFront"/>
       <a:lightRig rig="threePt" dir="t"/>
     </dgm:scene3d>
+    <dgm:sp3d/>
     <dgm:txPr/>
     <dgm:style>
       <a:lnRef idx="2">
@@ -3244,6 +3283,7 @@
       <a:camera prst="orthographicFront"/>
       <a:lightRig rig="threePt" dir="t"/>
     </dgm:scene3d>
+    <dgm:sp3d/>
     <dgm:txPr/>
     <dgm:style>
       <a:lnRef idx="2">
@@ -3263,6 +3303,7 @@
       <a:camera prst="orthographicFront"/>
       <a:lightRig rig="threePt" dir="t"/>
     </dgm:scene3d>
+    <dgm:sp3d/>
     <dgm:txPr/>
     <dgm:style>
       <a:lnRef idx="2">
@@ -3282,6 +3323,7 @@
       <a:camera prst="orthographicFront"/>
       <a:lightRig rig="threePt" dir="t"/>
     </dgm:scene3d>
+    <dgm:sp3d/>
     <dgm:txPr/>
     <dgm:style>
       <a:lnRef idx="2">
@@ -3303,6 +3345,7 @@
       <a:camera prst="orthographicFront"/>
       <a:lightRig rig="threePt" dir="t"/>
     </dgm:scene3d>
+    <dgm:sp3d/>
     <dgm:txPr/>
     <dgm:style>
       <a:lnRef idx="2">
@@ -3324,6 +3367,7 @@
       <a:camera prst="orthographicFront"/>
       <a:lightRig rig="threePt" dir="t"/>
     </dgm:scene3d>
+    <dgm:sp3d/>
     <dgm:txPr/>
     <dgm:style>
       <a:lnRef idx="2">
@@ -3345,6 +3389,7 @@
       <a:camera prst="orthographicFront"/>
       <a:lightRig rig="threePt" dir="t"/>
     </dgm:scene3d>
+    <dgm:sp3d/>
     <dgm:txPr/>
     <dgm:style>
       <a:lnRef idx="2">
@@ -3366,6 +3411,7 @@
       <a:camera prst="orthographicFront"/>
       <a:lightRig rig="threePt" dir="t"/>
     </dgm:scene3d>
+    <dgm:sp3d/>
     <dgm:txPr/>
     <dgm:style>
       <a:lnRef idx="0">
@@ -3385,6 +3431,7 @@
       <a:camera prst="orthographicFront"/>
       <a:lightRig rig="threePt" dir="t"/>
     </dgm:scene3d>
+    <dgm:sp3d/>
     <dgm:txPr/>
     <dgm:style>
       <a:lnRef idx="1">
@@ -3404,6 +3451,7 @@
       <a:camera prst="orthographicFront"/>
       <a:lightRig rig="threePt" dir="t"/>
     </dgm:scene3d>
+    <dgm:sp3d/>
     <dgm:txPr/>
     <dgm:style>
       <a:lnRef idx="0">
@@ -3425,6 +3473,7 @@
       <a:camera prst="orthographicFront"/>
       <a:lightRig rig="threePt" dir="t"/>
     </dgm:scene3d>
+    <dgm:sp3d/>
     <dgm:txPr/>
     <dgm:style>
       <a:lnRef idx="2">
@@ -3444,6 +3493,7 @@
       <a:camera prst="orthographicFront"/>
       <a:lightRig rig="threePt" dir="t"/>
     </dgm:scene3d>
+    <dgm:sp3d/>
     <dgm:txPr/>
     <dgm:style>
       <a:lnRef idx="2">
@@ -3463,6 +3513,7 @@
       <a:camera prst="orthographicFront"/>
       <a:lightRig rig="threePt" dir="t"/>
     </dgm:scene3d>
+    <dgm:sp3d/>
     <dgm:txPr/>
     <dgm:style>
       <a:lnRef idx="2">
@@ -3482,6 +3533,7 @@
       <a:camera prst="orthographicFront"/>
       <a:lightRig rig="threePt" dir="t"/>
     </dgm:scene3d>
+    <dgm:sp3d/>
     <dgm:txPr/>
     <dgm:style>
       <a:lnRef idx="1">
@@ -3501,6 +3553,7 @@
       <a:camera prst="orthographicFront"/>
       <a:lightRig rig="threePt" dir="t"/>
     </dgm:scene3d>
+    <dgm:sp3d/>
     <dgm:txPr/>
     <dgm:style>
       <a:lnRef idx="0">
@@ -3520,6 +3573,7 @@
       <a:camera prst="orthographicFront"/>
       <a:lightRig rig="threePt" dir="t"/>
     </dgm:scene3d>
+    <dgm:sp3d/>
     <dgm:txPr/>
     <dgm:style>
       <a:lnRef idx="2">
@@ -3621,6 +3675,7 @@
           <a:p>
             <a:fld id="{CB6274EF-1F02-0443-83D9-614E1A11B75C}" type="datetimeFigureOut">
               <a:rPr lang="en-US" smtClean="0"/>
+              <a:t>11/24/2020</a:t>
             </a:fld>
             <a:endParaRPr lang="en-US"/>
           </a:p>
@@ -3687,7 +3742,6 @@
               <a:rPr lang="en-US"/>
               <a:t>Click to edit Master text styles</a:t>
             </a:r>
-            <a:endParaRPr lang="en-US"/>
           </a:p>
           <a:p>
             <a:pPr lvl="1"/>
@@ -3695,7 +3749,6 @@
               <a:rPr lang="en-US"/>
               <a:t>Second level</a:t>
             </a:r>
-            <a:endParaRPr lang="en-US"/>
           </a:p>
           <a:p>
             <a:pPr lvl="2"/>
@@ -3703,7 +3756,6 @@
               <a:rPr lang="en-US"/>
               <a:t>Third level</a:t>
             </a:r>
-            <a:endParaRPr lang="en-US"/>
           </a:p>
           <a:p>
             <a:pPr lvl="3"/>
@@ -3711,7 +3763,6 @@
               <a:rPr lang="en-US"/>
               <a:t>Fourth level</a:t>
             </a:r>
-            <a:endParaRPr lang="en-US"/>
           </a:p>
           <a:p>
             <a:pPr lvl="4"/>
@@ -3719,7 +3770,6 @@
               <a:rPr lang="en-US"/>
               <a:t>Fifth level</a:t>
             </a:r>
-            <a:endParaRPr lang="en-US"/>
           </a:p>
         </p:txBody>
       </p:sp>
@@ -3783,6 +3833,7 @@
           <a:p>
             <a:fld id="{101B89F9-BB18-1A46-8648-0F8B98F807E9}" type="slidenum">
               <a:rPr lang="en-US" smtClean="0"/>
+              <a:t>‹#›</a:t>
             </a:fld>
             <a:endParaRPr lang="en-US"/>
           </a:p>
@@ -3951,6 +4002,7 @@
           <a:p>
             <a:fld id="{101B89F9-BB18-1A46-8648-0F8B98F807E9}" type="slidenum">
               <a:rPr lang="en-US" smtClean="0"/>
+              <a:t>1</a:t>
             </a:fld>
             <a:endParaRPr lang="en-US"/>
           </a:p>
@@ -4076,6 +4128,7 @@
           <a:p>
             <a:fld id="{101B89F9-BB18-1A46-8648-0F8B98F807E9}" type="slidenum">
               <a:rPr lang="en-US" smtClean="0"/>
+              <a:t>11</a:t>
             </a:fld>
             <a:endParaRPr lang="en-US"/>
           </a:p>
@@ -4201,6 +4254,7 @@
           <a:p>
             <a:fld id="{101B89F9-BB18-1A46-8648-0F8B98F807E9}" type="slidenum">
               <a:rPr lang="en-US" smtClean="0"/>
+              <a:t>12</a:t>
             </a:fld>
             <a:endParaRPr lang="en-US"/>
           </a:p>
@@ -4326,6 +4380,7 @@
           <a:p>
             <a:fld id="{101B89F9-BB18-1A46-8648-0F8B98F807E9}" type="slidenum">
               <a:rPr lang="en-US" smtClean="0"/>
+              <a:t>13</a:t>
             </a:fld>
             <a:endParaRPr lang="en-US"/>
           </a:p>
@@ -4451,6 +4506,7 @@
           <a:p>
             <a:fld id="{101B89F9-BB18-1A46-8648-0F8B98F807E9}" type="slidenum">
               <a:rPr lang="en-US" smtClean="0"/>
+              <a:t>14</a:t>
             </a:fld>
             <a:endParaRPr lang="en-US"/>
           </a:p>
@@ -4576,6 +4632,7 @@
           <a:p>
             <a:fld id="{101B89F9-BB18-1A46-8648-0F8B98F807E9}" type="slidenum">
               <a:rPr lang="en-US" smtClean="0"/>
+              <a:t>15</a:t>
             </a:fld>
             <a:endParaRPr lang="en-US"/>
           </a:p>
@@ -4637,7 +4694,6 @@
               <a:rPr lang="en-US" dirty="0"/>
               <a:t>附上关键代码说明一下graphx的计算步骤中遇到的问题</a:t>
             </a:r>
-            <a:endParaRPr lang="en-US" dirty="0"/>
           </a:p>
           <a:p>
             <a:r>
@@ -4677,6 +4733,7 @@
           <a:p>
             <a:fld id="{101B89F9-BB18-1A46-8648-0F8B98F807E9}" type="slidenum">
               <a:rPr lang="en-US" smtClean="0"/>
+              <a:t>16</a:t>
             </a:fld>
             <a:endParaRPr lang="en-US"/>
           </a:p>
@@ -4738,7 +4795,6 @@
               <a:rPr lang="en-US" dirty="0"/>
               <a:t>附上关键代码说明一下graphx的计算步骤中遇到的问题</a:t>
             </a:r>
-            <a:endParaRPr lang="en-US" dirty="0"/>
           </a:p>
           <a:p>
             <a:r>
@@ -4778,6 +4834,7 @@
           <a:p>
             <a:fld id="{101B89F9-BB18-1A46-8648-0F8B98F807E9}" type="slidenum">
               <a:rPr lang="en-US" smtClean="0"/>
+              <a:t>17</a:t>
             </a:fld>
             <a:endParaRPr lang="en-US"/>
           </a:p>
@@ -4839,7 +4896,6 @@
               <a:rPr lang="en-US" dirty="0"/>
               <a:t>附上关键代码说明一下graphx的计算步骤中遇到的问题</a:t>
             </a:r>
-            <a:endParaRPr lang="en-US" dirty="0"/>
           </a:p>
           <a:p>
             <a:r>
@@ -4879,6 +4935,7 @@
           <a:p>
             <a:fld id="{101B89F9-BB18-1A46-8648-0F8B98F807E9}" type="slidenum">
               <a:rPr lang="en-US" smtClean="0"/>
+              <a:t>18</a:t>
             </a:fld>
             <a:endParaRPr lang="en-US"/>
           </a:p>
@@ -5284,15 +5341,6 @@
               </a:rPr>
               <a:t>通过这种方法，我们了解到了可以和多领域交叉复合的领域，相关领域的工作往往拥有更高的应用价值。</a:t>
             </a:r>
-            <a:endParaRPr lang="ja-JP" altLang="en-US" sz="1200" b="0" i="0" u="none" strike="noStrike" kern="1200">
-              <a:solidFill>
-                <a:schemeClr val="tx1"/>
-              </a:solidFill>
-              <a:effectLst/>
-              <a:latin typeface="+mn-lt"/>
-              <a:ea typeface="+mn-ea"/>
-              <a:cs typeface="+mn-cs"/>
-            </a:endParaRPr>
           </a:p>
           <a:p>
             <a:endParaRPr lang="en-US" dirty="0"/>
@@ -5316,6 +5364,7 @@
           <a:p>
             <a:fld id="{101B89F9-BB18-1A46-8648-0F8B98F807E9}" type="slidenum">
               <a:rPr lang="en-US" smtClean="0"/>
+              <a:t>19</a:t>
             </a:fld>
             <a:endParaRPr lang="en-US"/>
           </a:p>
@@ -5639,15 +5688,6 @@
               </a:rPr>
               <a:t>通过查找和当前领域交叉复合程度高的领域，可以为特定领域的研究人员提供可能的研究方向，也能够进一步促进研究人员之间的跨领域合作，找到新的值得关注的问题。</a:t>
             </a:r>
-            <a:endParaRPr lang="ja-JP" altLang="en-US" sz="1200" b="0" i="0" u="none" strike="noStrike" kern="1200">
-              <a:solidFill>
-                <a:schemeClr val="tx1"/>
-              </a:solidFill>
-              <a:effectLst/>
-              <a:latin typeface="+mn-lt"/>
-              <a:ea typeface="+mn-ea"/>
-              <a:cs typeface="+mn-cs"/>
-            </a:endParaRPr>
           </a:p>
           <a:p>
             <a:endParaRPr lang="en-US" dirty="0"/>
@@ -5671,6 +5711,7 @@
           <a:p>
             <a:fld id="{101B89F9-BB18-1A46-8648-0F8B98F807E9}" type="slidenum">
               <a:rPr lang="en-US" smtClean="0"/>
+              <a:t>20</a:t>
             </a:fld>
             <a:endParaRPr lang="en-US"/>
           </a:p>
@@ -5833,15 +5874,6 @@
               </a:rPr>
               <a:t>在这个过程中，我们可以在和自己领域交叉的领域中发现新的创新点，以及找到和别的作者的合作路径，进而取得更加优秀的学术成果。</a:t>
             </a:r>
-            <a:endParaRPr lang="ja-JP" altLang="en-US" sz="1200" b="0" i="0" u="none" strike="noStrike" kern="1200">
-              <a:solidFill>
-                <a:schemeClr val="tx1"/>
-              </a:solidFill>
-              <a:effectLst/>
-              <a:latin typeface="+mn-lt"/>
-              <a:ea typeface="+mn-ea"/>
-              <a:cs typeface="+mn-cs"/>
-            </a:endParaRPr>
           </a:p>
           <a:p>
             <a:endParaRPr lang="en-US" altLang="ja-JP" sz="1200" b="0" i="0" u="none" strike="noStrike" kern="1200" dirty="0">
@@ -5867,15 +5899,6 @@
               </a:rPr>
               <a:t>首先我们进行了以下的这些假设。</a:t>
             </a:r>
-            <a:endParaRPr lang="ja-JP" altLang="en-US" sz="1200" b="0" i="0" u="none" strike="noStrike" kern="1200">
-              <a:solidFill>
-                <a:schemeClr val="tx1"/>
-              </a:solidFill>
-              <a:effectLst/>
-              <a:latin typeface="+mn-lt"/>
-              <a:ea typeface="+mn-ea"/>
-              <a:cs typeface="+mn-cs"/>
-            </a:endParaRPr>
           </a:p>
           <a:p>
             <a:r>
@@ -5914,15 +5937,6 @@
               </a:rPr>
               <a:t>我们假设两个领域的交叉是指有论文同属于两个不同的领域</a:t>
             </a:r>
-            <a:endParaRPr lang="ja-JP" altLang="en-US" sz="1200" b="0" i="0" u="none" strike="noStrike" kern="1200">
-              <a:solidFill>
-                <a:schemeClr val="tx1"/>
-              </a:solidFill>
-              <a:effectLst/>
-              <a:latin typeface="+mn-lt"/>
-              <a:ea typeface="+mn-ea"/>
-              <a:cs typeface="+mn-cs"/>
-            </a:endParaRPr>
           </a:p>
           <a:p>
             <a:r>
@@ -5961,15 +5975,6 @@
               </a:rPr>
               <a:t>一个领域能够和更多的领域交叉，意味着它包含更多等待解决的问题，有更好的发展前景</a:t>
             </a:r>
-            <a:endParaRPr lang="ja-JP" altLang="en-US" sz="1200" b="0" i="0" u="none" strike="noStrike" kern="1200">
-              <a:solidFill>
-                <a:schemeClr val="tx1"/>
-              </a:solidFill>
-              <a:effectLst/>
-              <a:latin typeface="+mn-lt"/>
-              <a:ea typeface="+mn-ea"/>
-              <a:cs typeface="+mn-cs"/>
-            </a:endParaRPr>
           </a:p>
           <a:p>
             <a:r>
@@ -6008,15 +6013,6 @@
               </a:rPr>
               <a:t>我们假设两个作者的合作是指他们曾经合作发表过论文</a:t>
             </a:r>
-            <a:endParaRPr lang="ja-JP" altLang="en-US" sz="1200" b="0" i="0" u="none" strike="noStrike" kern="1200">
-              <a:solidFill>
-                <a:schemeClr val="tx1"/>
-              </a:solidFill>
-              <a:effectLst/>
-              <a:latin typeface="+mn-lt"/>
-              <a:ea typeface="+mn-ea"/>
-              <a:cs typeface="+mn-cs"/>
-            </a:endParaRPr>
           </a:p>
           <a:p>
             <a:endParaRPr lang="en-US" altLang="ja-JP" sz="1200" b="0" i="0" u="none" strike="noStrike" kern="1200" dirty="0">
@@ -6042,15 +6038,6 @@
               </a:rPr>
               <a:t>我们具体要解决的问题如下：</a:t>
             </a:r>
-            <a:endParaRPr lang="ja-JP" altLang="en-US" sz="1200" b="0" i="0" u="none" strike="noStrike" kern="1200">
-              <a:solidFill>
-                <a:schemeClr val="tx1"/>
-              </a:solidFill>
-              <a:effectLst/>
-              <a:latin typeface="+mn-lt"/>
-              <a:ea typeface="+mn-ea"/>
-              <a:cs typeface="+mn-cs"/>
-            </a:endParaRPr>
           </a:p>
           <a:p>
             <a:r>
@@ -6089,15 +6076,6 @@
               </a:rPr>
               <a:t>统计特定时间段内各个领域和其他领域的交叉程度，并找出交叉程度高的领域</a:t>
             </a:r>
-            <a:endParaRPr lang="ja-JP" altLang="en-US" sz="1200" b="0" i="0" u="none" strike="noStrike" kern="1200">
-              <a:solidFill>
-                <a:schemeClr val="tx1"/>
-              </a:solidFill>
-              <a:effectLst/>
-              <a:latin typeface="+mn-lt"/>
-              <a:ea typeface="+mn-ea"/>
-              <a:cs typeface="+mn-cs"/>
-            </a:endParaRPr>
           </a:p>
           <a:p>
             <a:r>
@@ -6136,15 +6114,6 @@
               </a:rPr>
               <a:t>统计特定时间段内和某领域交叉程度较高的领域</a:t>
             </a:r>
-            <a:endParaRPr lang="ja-JP" altLang="en-US" sz="1200" b="0" i="0" u="none" strike="noStrike" kern="1200">
-              <a:solidFill>
-                <a:schemeClr val="tx1"/>
-              </a:solidFill>
-              <a:effectLst/>
-              <a:latin typeface="+mn-lt"/>
-              <a:ea typeface="+mn-ea"/>
-              <a:cs typeface="+mn-cs"/>
-            </a:endParaRPr>
           </a:p>
           <a:p>
             <a:r>
@@ -6183,15 +6152,6 @@
               </a:rPr>
               <a:t>探究某领域内作者间的合作情况，寻找各个作者所活跃的课题小组</a:t>
             </a:r>
-            <a:endParaRPr lang="ja-JP" altLang="en-US" sz="1200" b="0" i="0" u="none" strike="noStrike" kern="1200">
-              <a:solidFill>
-                <a:schemeClr val="tx1"/>
-              </a:solidFill>
-              <a:effectLst/>
-              <a:latin typeface="+mn-lt"/>
-              <a:ea typeface="+mn-ea"/>
-              <a:cs typeface="+mn-cs"/>
-            </a:endParaRPr>
           </a:p>
           <a:p>
             <a:r>
@@ -6230,15 +6190,6 @@
               </a:rPr>
               <a:t>计算两个作者关系可以通过哪些合作者产生合作，探寻两个作者之间可能的合作关系</a:t>
             </a:r>
-            <a:endParaRPr lang="ja-JP" altLang="en-US" sz="1200" b="0" i="0" u="none" strike="noStrike" kern="1200">
-              <a:solidFill>
-                <a:schemeClr val="tx1"/>
-              </a:solidFill>
-              <a:effectLst/>
-              <a:latin typeface="+mn-lt"/>
-              <a:ea typeface="+mn-ea"/>
-              <a:cs typeface="+mn-cs"/>
-            </a:endParaRPr>
           </a:p>
           <a:p>
             <a:endParaRPr lang="en-US" dirty="0"/>
@@ -6262,6 +6213,7 @@
           <a:p>
             <a:fld id="{101B89F9-BB18-1A46-8648-0F8B98F807E9}" type="slidenum">
               <a:rPr lang="en-US" smtClean="0"/>
+              <a:t>3</a:t>
             </a:fld>
             <a:endParaRPr lang="en-US"/>
           </a:p>
@@ -6786,15 +6738,6 @@
               </a:rPr>
               <a:t>篇论文的“松散合作”仍然会被记入作者的合作者数量中。</a:t>
             </a:r>
-            <a:endParaRPr lang="ja-JP" altLang="en-US" sz="1200" b="0" i="0" u="none" strike="noStrike" kern="1200">
-              <a:solidFill>
-                <a:schemeClr val="tx1"/>
-              </a:solidFill>
-              <a:effectLst/>
-              <a:latin typeface="+mn-lt"/>
-              <a:ea typeface="+mn-ea"/>
-              <a:cs typeface="+mn-cs"/>
-            </a:endParaRPr>
           </a:p>
           <a:p>
             <a:endParaRPr lang="en-US" dirty="0"/>
@@ -6818,6 +6761,7 @@
           <a:p>
             <a:fld id="{101B89F9-BB18-1A46-8648-0F8B98F807E9}" type="slidenum">
               <a:rPr lang="en-US" smtClean="0"/>
+              <a:t>21</a:t>
             </a:fld>
             <a:endParaRPr lang="en-US"/>
           </a:p>
@@ -7239,15 +7183,6 @@
               </a:rPr>
               <a:t>个中间人，这么做的理由是过长的合作路径会导致较大的沟通成本，无法展开有效的合作。</a:t>
             </a:r>
-            <a:endParaRPr lang="ja-JP" altLang="en-US" sz="1200" b="0" i="0" u="none" strike="noStrike" kern="1200">
-              <a:solidFill>
-                <a:schemeClr val="tx1"/>
-              </a:solidFill>
-              <a:effectLst/>
-              <a:latin typeface="+mn-lt"/>
-              <a:ea typeface="+mn-ea"/>
-              <a:cs typeface="+mn-cs"/>
-            </a:endParaRPr>
           </a:p>
           <a:p>
             <a:endParaRPr lang="en-US" dirty="0"/>
@@ -7271,6 +7206,7 @@
           <a:p>
             <a:fld id="{101B89F9-BB18-1A46-8648-0F8B98F807E9}" type="slidenum">
               <a:rPr lang="en-US" smtClean="0"/>
+              <a:t>22</a:t>
             </a:fld>
             <a:endParaRPr lang="en-US"/>
           </a:p>
@@ -7353,6 +7289,7 @@
           <a:p>
             <a:fld id="{101B89F9-BB18-1A46-8648-0F8B98F807E9}" type="slidenum">
               <a:rPr lang="en-US" smtClean="0"/>
+              <a:t>23</a:t>
             </a:fld>
             <a:endParaRPr lang="en-US"/>
           </a:p>
@@ -7552,6 +7489,7 @@
           <a:p>
             <a:fld id="{101B89F9-BB18-1A46-8648-0F8B98F807E9}" type="slidenum">
               <a:rPr lang="en-US" smtClean="0"/>
+              <a:t>4</a:t>
             </a:fld>
             <a:endParaRPr lang="en-US"/>
           </a:p>
@@ -7674,6 +7612,7 @@
           <a:p>
             <a:fld id="{101B89F9-BB18-1A46-8648-0F8B98F807E9}" type="slidenum">
               <a:rPr lang="en-US" smtClean="0"/>
+              <a:t>5</a:t>
             </a:fld>
             <a:endParaRPr lang="en-US"/>
           </a:p>
@@ -7796,6 +7735,7 @@
           <a:p>
             <a:fld id="{101B89F9-BB18-1A46-8648-0F8B98F807E9}" type="slidenum">
               <a:rPr lang="en-US" smtClean="0"/>
+              <a:t>6</a:t>
             </a:fld>
             <a:endParaRPr lang="en-US"/>
           </a:p>
@@ -7921,6 +7861,7 @@
           <a:p>
             <a:fld id="{101B89F9-BB18-1A46-8648-0F8B98F807E9}" type="slidenum">
               <a:rPr lang="en-US" smtClean="0"/>
+              <a:t>7</a:t>
             </a:fld>
             <a:endParaRPr lang="en-US"/>
           </a:p>
@@ -8046,6 +7987,7 @@
           <a:p>
             <a:fld id="{101B89F9-BB18-1A46-8648-0F8B98F807E9}" type="slidenum">
               <a:rPr lang="en-US" smtClean="0"/>
+              <a:t>8</a:t>
             </a:fld>
             <a:endParaRPr lang="en-US"/>
           </a:p>
@@ -8171,6 +8113,7 @@
           <a:p>
             <a:fld id="{101B89F9-BB18-1A46-8648-0F8B98F807E9}" type="slidenum">
               <a:rPr lang="en-US" smtClean="0"/>
+              <a:t>9</a:t>
             </a:fld>
             <a:endParaRPr lang="en-US"/>
           </a:p>
@@ -8296,6 +8239,7 @@
           <a:p>
             <a:fld id="{101B89F9-BB18-1A46-8648-0F8B98F807E9}" type="slidenum">
               <a:rPr lang="en-US" smtClean="0"/>
+              <a:t>10</a:t>
             </a:fld>
             <a:endParaRPr lang="en-US"/>
           </a:p>
@@ -8437,7 +8381,6 @@
               <a:rPr lang="zh-CN" altLang="en-US"/>
               <a:t>编辑母版文本样式</a:t>
             </a:r>
-            <a:endParaRPr lang="zh-CN" altLang="en-US"/>
           </a:p>
           <a:p>
             <a:pPr lvl="1"/>
@@ -8445,7 +8388,6 @@
               <a:rPr lang="zh-CN" altLang="en-US"/>
               <a:t>第二级</a:t>
             </a:r>
-            <a:endParaRPr lang="zh-CN" altLang="en-US"/>
           </a:p>
           <a:p>
             <a:pPr lvl="2"/>
@@ -8453,7 +8395,6 @@
               <a:rPr lang="zh-CN" altLang="en-US"/>
               <a:t>第三级</a:t>
             </a:r>
-            <a:endParaRPr lang="zh-CN" altLang="en-US"/>
           </a:p>
           <a:p>
             <a:pPr lvl="3"/>
@@ -8461,7 +8402,6 @@
               <a:rPr lang="zh-CN" altLang="en-US"/>
               <a:t>第四级</a:t>
             </a:r>
-            <a:endParaRPr lang="zh-CN" altLang="en-US"/>
           </a:p>
           <a:p>
             <a:pPr lvl="4"/>
@@ -8506,6 +8446,7 @@
           <a:p>
             <a:fld id="{2AF002A3-608D-40DA-80DB-C3EE5C14D78D}" type="slidenum">
               <a:rPr lang="zh-CN" altLang="en-US" smtClean="0"/>
+              <a:t>‹#›</a:t>
             </a:fld>
             <a:endParaRPr lang="zh-CN" altLang="en-US"/>
           </a:p>
@@ -8619,7 +8560,6 @@
               <a:rPr lang="zh-CN" altLang="en-US"/>
               <a:t>编辑母版文本样式</a:t>
             </a:r>
-            <a:endParaRPr lang="zh-CN" altLang="en-US"/>
           </a:p>
           <a:p>
             <a:pPr lvl="1"/>
@@ -8627,7 +8567,6 @@
               <a:rPr lang="zh-CN" altLang="en-US"/>
               <a:t>第二级</a:t>
             </a:r>
-            <a:endParaRPr lang="zh-CN" altLang="en-US"/>
           </a:p>
           <a:p>
             <a:pPr lvl="2"/>
@@ -8635,7 +8574,6 @@
               <a:rPr lang="zh-CN" altLang="en-US"/>
               <a:t>第三级</a:t>
             </a:r>
-            <a:endParaRPr lang="zh-CN" altLang="en-US"/>
           </a:p>
           <a:p>
             <a:pPr lvl="3"/>
@@ -8643,7 +8581,6 @@
               <a:rPr lang="zh-CN" altLang="en-US"/>
               <a:t>第四级</a:t>
             </a:r>
-            <a:endParaRPr lang="zh-CN" altLang="en-US"/>
           </a:p>
           <a:p>
             <a:pPr lvl="4"/>
@@ -8680,6 +8617,7 @@
           <a:p>
             <a:fld id="{C3736D11-B305-4DFC-BCAE-BD58B96A3C97}" type="datetimeFigureOut">
               <a:rPr lang="zh-CN" altLang="en-US" smtClean="0"/>
+              <a:t>2020/11/24</a:t>
             </a:fld>
             <a:endParaRPr lang="zh-CN" altLang="en-US"/>
           </a:p>
@@ -8729,6 +8667,7 @@
           <a:p>
             <a:fld id="{2AF002A3-608D-40DA-80DB-C3EE5C14D78D}" type="slidenum">
               <a:rPr lang="zh-CN" altLang="en-US" smtClean="0"/>
+              <a:t>‹#›</a:t>
             </a:fld>
             <a:endParaRPr lang="zh-CN" altLang="en-US"/>
           </a:p>
@@ -9121,7 +9060,6 @@
               <a:rPr lang="zh-CN" altLang="en-US"/>
               <a:t>编辑母版文本样式</a:t>
             </a:r>
-            <a:endParaRPr lang="zh-CN" altLang="en-US"/>
           </a:p>
         </p:txBody>
       </p:sp>
@@ -9150,6 +9088,7 @@
           <a:p>
             <a:fld id="{C3736D11-B305-4DFC-BCAE-BD58B96A3C97}" type="datetimeFigureOut">
               <a:rPr lang="zh-CN" altLang="en-US" smtClean="0"/>
+              <a:t>2020/11/24</a:t>
             </a:fld>
             <a:endParaRPr lang="zh-CN" altLang="en-US"/>
           </a:p>
@@ -9199,6 +9138,7 @@
           <a:p>
             <a:fld id="{2AF002A3-608D-40DA-80DB-C3EE5C14D78D}" type="slidenum">
               <a:rPr lang="zh-CN" altLang="en-US" smtClean="0"/>
+              <a:t>‹#›</a:t>
             </a:fld>
             <a:endParaRPr lang="zh-CN" altLang="en-US"/>
           </a:p>
@@ -9277,7 +9217,6 @@
               <a:rPr lang="zh-CN" altLang="en-US"/>
               <a:t>编辑母版文本样式</a:t>
             </a:r>
-            <a:endParaRPr lang="zh-CN" altLang="en-US"/>
           </a:p>
           <a:p>
             <a:pPr lvl="1"/>
@@ -9285,7 +9224,6 @@
               <a:rPr lang="zh-CN" altLang="en-US"/>
               <a:t>第二级</a:t>
             </a:r>
-            <a:endParaRPr lang="zh-CN" altLang="en-US"/>
           </a:p>
           <a:p>
             <a:pPr lvl="2"/>
@@ -9293,7 +9231,6 @@
               <a:rPr lang="zh-CN" altLang="en-US"/>
               <a:t>第三级</a:t>
             </a:r>
-            <a:endParaRPr lang="zh-CN" altLang="en-US"/>
           </a:p>
           <a:p>
             <a:pPr lvl="3"/>
@@ -9301,7 +9238,6 @@
               <a:rPr lang="zh-CN" altLang="en-US"/>
               <a:t>第四级</a:t>
             </a:r>
-            <a:endParaRPr lang="zh-CN" altLang="en-US"/>
           </a:p>
           <a:p>
             <a:pPr lvl="4"/>
@@ -9338,7 +9274,6 @@
               <a:rPr lang="zh-CN" altLang="en-US"/>
               <a:t>编辑母版文本样式</a:t>
             </a:r>
-            <a:endParaRPr lang="zh-CN" altLang="en-US"/>
           </a:p>
           <a:p>
             <a:pPr lvl="1"/>
@@ -9346,7 +9281,6 @@
               <a:rPr lang="zh-CN" altLang="en-US"/>
               <a:t>第二级</a:t>
             </a:r>
-            <a:endParaRPr lang="zh-CN" altLang="en-US"/>
           </a:p>
           <a:p>
             <a:pPr lvl="2"/>
@@ -9354,7 +9288,6 @@
               <a:rPr lang="zh-CN" altLang="en-US"/>
               <a:t>第三级</a:t>
             </a:r>
-            <a:endParaRPr lang="zh-CN" altLang="en-US"/>
           </a:p>
           <a:p>
             <a:pPr lvl="3"/>
@@ -9362,7 +9295,6 @@
               <a:rPr lang="zh-CN" altLang="en-US"/>
               <a:t>第四级</a:t>
             </a:r>
-            <a:endParaRPr lang="zh-CN" altLang="en-US"/>
           </a:p>
           <a:p>
             <a:pPr lvl="4"/>
@@ -9399,6 +9331,7 @@
           <a:p>
             <a:fld id="{C3736D11-B305-4DFC-BCAE-BD58B96A3C97}" type="datetimeFigureOut">
               <a:rPr lang="zh-CN" altLang="en-US" smtClean="0"/>
+              <a:t>2020/11/24</a:t>
             </a:fld>
             <a:endParaRPr lang="zh-CN" altLang="en-US"/>
           </a:p>
@@ -9448,6 +9381,7 @@
           <a:p>
             <a:fld id="{2AF002A3-608D-40DA-80DB-C3EE5C14D78D}" type="slidenum">
               <a:rPr lang="zh-CN" altLang="en-US" smtClean="0"/>
+              <a:t>‹#›</a:t>
             </a:fld>
             <a:endParaRPr lang="zh-CN" altLang="en-US"/>
           </a:p>
@@ -9568,7 +9502,6 @@
               <a:rPr lang="zh-CN" altLang="en-US"/>
               <a:t>编辑母版文本样式</a:t>
             </a:r>
-            <a:endParaRPr lang="zh-CN" altLang="en-US"/>
           </a:p>
         </p:txBody>
       </p:sp>
@@ -9597,7 +9530,6 @@
               <a:rPr lang="zh-CN" altLang="en-US"/>
               <a:t>编辑母版文本样式</a:t>
             </a:r>
-            <a:endParaRPr lang="zh-CN" altLang="en-US"/>
           </a:p>
           <a:p>
             <a:pPr lvl="1"/>
@@ -9605,7 +9537,6 @@
               <a:rPr lang="zh-CN" altLang="en-US"/>
               <a:t>第二级</a:t>
             </a:r>
-            <a:endParaRPr lang="zh-CN" altLang="en-US"/>
           </a:p>
           <a:p>
             <a:pPr lvl="2"/>
@@ -9613,7 +9544,6 @@
               <a:rPr lang="zh-CN" altLang="en-US"/>
               <a:t>第三级</a:t>
             </a:r>
-            <a:endParaRPr lang="zh-CN" altLang="en-US"/>
           </a:p>
           <a:p>
             <a:pPr lvl="3"/>
@@ -9621,7 +9551,6 @@
               <a:rPr lang="zh-CN" altLang="en-US"/>
               <a:t>第四级</a:t>
             </a:r>
-            <a:endParaRPr lang="zh-CN" altLang="en-US"/>
           </a:p>
           <a:p>
             <a:pPr lvl="4"/>
@@ -9695,7 +9624,6 @@
               <a:rPr lang="zh-CN" altLang="en-US"/>
               <a:t>编辑母版文本样式</a:t>
             </a:r>
-            <a:endParaRPr lang="zh-CN" altLang="en-US"/>
           </a:p>
         </p:txBody>
       </p:sp>
@@ -9724,7 +9652,6 @@
               <a:rPr lang="zh-CN" altLang="en-US"/>
               <a:t>编辑母版文本样式</a:t>
             </a:r>
-            <a:endParaRPr lang="zh-CN" altLang="en-US"/>
           </a:p>
           <a:p>
             <a:pPr lvl="1"/>
@@ -9732,7 +9659,6 @@
               <a:rPr lang="zh-CN" altLang="en-US"/>
               <a:t>第二级</a:t>
             </a:r>
-            <a:endParaRPr lang="zh-CN" altLang="en-US"/>
           </a:p>
           <a:p>
             <a:pPr lvl="2"/>
@@ -9740,7 +9666,6 @@
               <a:rPr lang="zh-CN" altLang="en-US"/>
               <a:t>第三级</a:t>
             </a:r>
-            <a:endParaRPr lang="zh-CN" altLang="en-US"/>
           </a:p>
           <a:p>
             <a:pPr lvl="3"/>
@@ -9748,7 +9673,6 @@
               <a:rPr lang="zh-CN" altLang="en-US"/>
               <a:t>第四级</a:t>
             </a:r>
-            <a:endParaRPr lang="zh-CN" altLang="en-US"/>
           </a:p>
           <a:p>
             <a:pPr lvl="4"/>
@@ -9785,6 +9709,7 @@
           <a:p>
             <a:fld id="{C3736D11-B305-4DFC-BCAE-BD58B96A3C97}" type="datetimeFigureOut">
               <a:rPr lang="zh-CN" altLang="en-US" smtClean="0"/>
+              <a:t>2020/11/24</a:t>
             </a:fld>
             <a:endParaRPr lang="zh-CN" altLang="en-US"/>
           </a:p>
@@ -9834,6 +9759,7 @@
           <a:p>
             <a:fld id="{2AF002A3-608D-40DA-80DB-C3EE5C14D78D}" type="slidenum">
               <a:rPr lang="zh-CN" altLang="en-US" smtClean="0"/>
+              <a:t>‹#›</a:t>
             </a:fld>
             <a:endParaRPr lang="zh-CN" altLang="en-US"/>
           </a:p>
@@ -9919,6 +9845,7 @@
           <a:p>
             <a:fld id="{C3736D11-B305-4DFC-BCAE-BD58B96A3C97}" type="datetimeFigureOut">
               <a:rPr lang="zh-CN" altLang="en-US" smtClean="0"/>
+              <a:t>2020/11/24</a:t>
             </a:fld>
             <a:endParaRPr lang="zh-CN" altLang="en-US"/>
           </a:p>
@@ -9968,6 +9895,7 @@
           <a:p>
             <a:fld id="{2AF002A3-608D-40DA-80DB-C3EE5C14D78D}" type="slidenum">
               <a:rPr lang="zh-CN" altLang="en-US" smtClean="0"/>
+              <a:t>‹#›</a:t>
             </a:fld>
             <a:endParaRPr lang="zh-CN" altLang="en-US"/>
           </a:p>
@@ -10023,6 +9951,7 @@
           <a:p>
             <a:fld id="{C3736D11-B305-4DFC-BCAE-BD58B96A3C97}" type="datetimeFigureOut">
               <a:rPr lang="zh-CN" altLang="en-US" smtClean="0"/>
+              <a:t>2020/11/24</a:t>
             </a:fld>
             <a:endParaRPr lang="zh-CN" altLang="en-US"/>
           </a:p>
@@ -10072,6 +10001,7 @@
           <a:p>
             <a:fld id="{2AF002A3-608D-40DA-80DB-C3EE5C14D78D}" type="slidenum">
               <a:rPr lang="zh-CN" altLang="en-US" smtClean="0"/>
+              <a:t>‹#›</a:t>
             </a:fld>
             <a:endParaRPr lang="zh-CN" altLang="en-US"/>
           </a:p>
@@ -10187,7 +10117,6 @@
               <a:rPr lang="zh-CN" altLang="en-US"/>
               <a:t>编辑母版文本样式</a:t>
             </a:r>
-            <a:endParaRPr lang="zh-CN" altLang="en-US"/>
           </a:p>
           <a:p>
             <a:pPr lvl="1"/>
@@ -10195,7 +10124,6 @@
               <a:rPr lang="zh-CN" altLang="en-US"/>
               <a:t>第二级</a:t>
             </a:r>
-            <a:endParaRPr lang="zh-CN" altLang="en-US"/>
           </a:p>
           <a:p>
             <a:pPr lvl="2"/>
@@ -10203,7 +10131,6 @@
               <a:rPr lang="zh-CN" altLang="en-US"/>
               <a:t>第三级</a:t>
             </a:r>
-            <a:endParaRPr lang="zh-CN" altLang="en-US"/>
           </a:p>
           <a:p>
             <a:pPr lvl="3"/>
@@ -10211,7 +10138,6 @@
               <a:rPr lang="zh-CN" altLang="en-US"/>
               <a:t>第四级</a:t>
             </a:r>
-            <a:endParaRPr lang="zh-CN" altLang="en-US"/>
           </a:p>
           <a:p>
             <a:pPr lvl="4"/>
@@ -10285,7 +10211,6 @@
               <a:rPr lang="zh-CN" altLang="en-US"/>
               <a:t>编辑母版文本样式</a:t>
             </a:r>
-            <a:endParaRPr lang="zh-CN" altLang="en-US"/>
           </a:p>
         </p:txBody>
       </p:sp>
@@ -10314,6 +10239,7 @@
           <a:p>
             <a:fld id="{C3736D11-B305-4DFC-BCAE-BD58B96A3C97}" type="datetimeFigureOut">
               <a:rPr lang="zh-CN" altLang="en-US" smtClean="0"/>
+              <a:t>2020/11/24</a:t>
             </a:fld>
             <a:endParaRPr lang="zh-CN" altLang="en-US"/>
           </a:p>
@@ -10363,6 +10289,7 @@
           <a:p>
             <a:fld id="{2AF002A3-608D-40DA-80DB-C3EE5C14D78D}" type="slidenum">
               <a:rPr lang="zh-CN" altLang="en-US" smtClean="0"/>
+              <a:t>‹#›</a:t>
             </a:fld>
             <a:endParaRPr lang="zh-CN" altLang="en-US"/>
           </a:p>
@@ -10552,7 +10479,6 @@
               <a:rPr lang="zh-CN" altLang="en-US"/>
               <a:t>编辑母版文本样式</a:t>
             </a:r>
-            <a:endParaRPr lang="zh-CN" altLang="en-US"/>
           </a:p>
         </p:txBody>
       </p:sp>
@@ -10581,6 +10507,7 @@
           <a:p>
             <a:fld id="{C3736D11-B305-4DFC-BCAE-BD58B96A3C97}" type="datetimeFigureOut">
               <a:rPr lang="zh-CN" altLang="en-US" smtClean="0"/>
+              <a:t>2020/11/24</a:t>
             </a:fld>
             <a:endParaRPr lang="zh-CN" altLang="en-US"/>
           </a:p>
@@ -10630,6 +10557,7 @@
           <a:p>
             <a:fld id="{2AF002A3-608D-40DA-80DB-C3EE5C14D78D}" type="slidenum">
               <a:rPr lang="zh-CN" altLang="en-US" smtClean="0"/>
+              <a:t>‹#›</a:t>
             </a:fld>
             <a:endParaRPr lang="zh-CN" altLang="en-US"/>
           </a:p>
@@ -10703,7 +10631,6 @@
               <a:rPr lang="zh-CN" altLang="en-US"/>
               <a:t>编辑母版文本样式</a:t>
             </a:r>
-            <a:endParaRPr lang="zh-CN" altLang="en-US"/>
           </a:p>
           <a:p>
             <a:pPr lvl="1"/>
@@ -10711,7 +10638,6 @@
               <a:rPr lang="zh-CN" altLang="en-US"/>
               <a:t>第二级</a:t>
             </a:r>
-            <a:endParaRPr lang="zh-CN" altLang="en-US"/>
           </a:p>
           <a:p>
             <a:pPr lvl="2"/>
@@ -10719,7 +10645,6 @@
               <a:rPr lang="zh-CN" altLang="en-US"/>
               <a:t>第三级</a:t>
             </a:r>
-            <a:endParaRPr lang="zh-CN" altLang="en-US"/>
           </a:p>
           <a:p>
             <a:pPr lvl="3"/>
@@ -10727,7 +10652,6 @@
               <a:rPr lang="zh-CN" altLang="en-US"/>
               <a:t>第四级</a:t>
             </a:r>
-            <a:endParaRPr lang="zh-CN" altLang="en-US"/>
           </a:p>
           <a:p>
             <a:pPr lvl="4"/>
@@ -10764,6 +10688,7 @@
           <a:p>
             <a:fld id="{C3736D11-B305-4DFC-BCAE-BD58B96A3C97}" type="datetimeFigureOut">
               <a:rPr lang="zh-CN" altLang="en-US" smtClean="0"/>
+              <a:t>2020/11/24</a:t>
             </a:fld>
             <a:endParaRPr lang="zh-CN" altLang="en-US"/>
           </a:p>
@@ -10813,6 +10738,7 @@
           <a:p>
             <a:fld id="{2AF002A3-608D-40DA-80DB-C3EE5C14D78D}" type="slidenum">
               <a:rPr lang="zh-CN" altLang="en-US" smtClean="0"/>
+              <a:t>‹#›</a:t>
             </a:fld>
             <a:endParaRPr lang="zh-CN" altLang="en-US"/>
           </a:p>
@@ -10911,7 +10837,6 @@
               <a:rPr lang="zh-CN" altLang="en-US" dirty="0"/>
               <a:t>单击此处编辑母版文本样式</a:t>
             </a:r>
-            <a:endParaRPr lang="zh-CN" altLang="en-US" dirty="0"/>
           </a:p>
           <a:p>
             <a:pPr lvl="1"/>
@@ -10919,7 +10844,6 @@
               <a:rPr lang="zh-CN" altLang="en-US" dirty="0"/>
               <a:t>第二级</a:t>
             </a:r>
-            <a:endParaRPr lang="zh-CN" altLang="en-US" dirty="0"/>
           </a:p>
           <a:p>
             <a:pPr lvl="2"/>
@@ -10927,7 +10851,6 @@
               <a:rPr lang="zh-CN" altLang="en-US" dirty="0"/>
               <a:t>第三级</a:t>
             </a:r>
-            <a:endParaRPr lang="zh-CN" altLang="en-US" dirty="0"/>
           </a:p>
           <a:p>
             <a:pPr lvl="3"/>
@@ -10935,7 +10858,6 @@
               <a:rPr lang="zh-CN" altLang="en-US" dirty="0"/>
               <a:t>第四级</a:t>
             </a:r>
-            <a:endParaRPr lang="zh-CN" altLang="en-US" dirty="0"/>
           </a:p>
           <a:p>
             <a:pPr lvl="4"/>
@@ -10980,6 +10902,7 @@
           <a:p>
             <a:fld id="{2AF002A3-608D-40DA-80DB-C3EE5C14D78D}" type="slidenum">
               <a:rPr lang="zh-CN" altLang="en-US" smtClean="0"/>
+              <a:t>‹#›</a:t>
             </a:fld>
             <a:endParaRPr lang="zh-CN" altLang="en-US"/>
           </a:p>
@@ -11328,7 +11251,6 @@
               <a:rPr lang="zh-CN" altLang="en-US" dirty="0"/>
               <a:t> 作业实现汇报</a:t>
             </a:r>
-            <a:endParaRPr lang="zh-CN" altLang="en-US" dirty="0"/>
           </a:p>
         </p:txBody>
       </p:sp>
@@ -11410,7 +11332,6 @@
               <a:rPr lang="zh-CN" altLang="en-US" sz="2400" dirty="0"/>
               <a:t>领域论文数据分析</a:t>
             </a:r>
-            <a:endParaRPr lang="zh-CN" altLang="en-US" sz="2400" dirty="0"/>
           </a:p>
         </p:txBody>
       </p:sp>
@@ -11475,7 +11396,6 @@
               <a:rPr lang="zh-CN" altLang="en-US" dirty="0"/>
               <a:t>图构造过程</a:t>
             </a:r>
-            <a:endParaRPr lang="zh-CN" altLang="en-US" dirty="0"/>
           </a:p>
         </p:txBody>
       </p:sp>
@@ -11510,11 +11430,6 @@
               </a:rPr>
               <a:t>构造图</a:t>
             </a:r>
-            <a:endParaRPr lang="zh-CN" dirty="0">
-              <a:solidFill>
-                <a:prstClr val="black"/>
-              </a:solidFill>
-            </a:endParaRPr>
           </a:p>
         </p:txBody>
       </p:sp>
@@ -11535,6 +11450,7 @@
           <a:p>
             <a:fld id="{02AE1E35-F495-4665-8CB0-CDD28443F6EA}" type="slidenum">
               <a:rPr lang="zh-CN" altLang="en-US" smtClean="0"/>
+              <a:t>10</a:t>
             </a:fld>
             <a:endParaRPr lang="zh-CN" altLang="en-US"/>
           </a:p>
@@ -11549,7 +11465,7 @@
           <p:nvPr/>
         </p:nvPicPr>
         <p:blipFill>
-          <a:blip r:embed="rId1"/>
+          <a:blip r:embed="rId3"/>
           <a:stretch>
             <a:fillRect/>
           </a:stretch>
@@ -11625,7 +11541,6 @@
               <a:rPr lang="zh-CN" altLang="en-US" dirty="0"/>
               <a:t>基于图的计算过程</a:t>
             </a:r>
-            <a:endParaRPr lang="zh-CN" altLang="en-US" dirty="0"/>
           </a:p>
         </p:txBody>
       </p:sp>
@@ -11660,11 +11575,6 @@
               </a:rPr>
               <a:t>领域交叉度排名计算</a:t>
             </a:r>
-            <a:endParaRPr dirty="0">
-              <a:solidFill>
-                <a:prstClr val="black"/>
-              </a:solidFill>
-            </a:endParaRPr>
           </a:p>
           <a:p>
             <a:pPr lvl="1"/>
@@ -11693,6 +11603,7 @@
           <a:p>
             <a:fld id="{02AE1E35-F495-4665-8CB0-CDD28443F6EA}" type="slidenum">
               <a:rPr lang="zh-CN" altLang="en-US" smtClean="0"/>
+              <a:t>11</a:t>
             </a:fld>
             <a:endParaRPr lang="zh-CN" altLang="en-US"/>
           </a:p>
@@ -11707,7 +11618,7 @@
           <p:nvPr/>
         </p:nvPicPr>
         <p:blipFill>
-          <a:blip r:embed="rId1"/>
+          <a:blip r:embed="rId3"/>
           <a:stretch>
             <a:fillRect/>
           </a:stretch>
@@ -11731,7 +11642,7 @@
           <p:nvPr/>
         </p:nvPicPr>
         <p:blipFill>
-          <a:blip r:embed="rId2"/>
+          <a:blip r:embed="rId4"/>
           <a:stretch>
             <a:fillRect/>
           </a:stretch>
@@ -11807,7 +11718,6 @@
               <a:rPr lang="zh-CN" altLang="en-US" dirty="0"/>
               <a:t>基于图的计算过程</a:t>
             </a:r>
-            <a:endParaRPr lang="zh-CN" altLang="en-US" dirty="0"/>
           </a:p>
         </p:txBody>
       </p:sp>
@@ -11842,11 +11752,6 @@
               </a:rPr>
               <a:t>领域共同论文数统计</a:t>
             </a:r>
-            <a:endParaRPr dirty="0">
-              <a:solidFill>
-                <a:prstClr val="black"/>
-              </a:solidFill>
-            </a:endParaRPr>
           </a:p>
           <a:p>
             <a:pPr lvl="1"/>
@@ -11875,6 +11780,7 @@
           <a:p>
             <a:fld id="{02AE1E35-F495-4665-8CB0-CDD28443F6EA}" type="slidenum">
               <a:rPr lang="zh-CN" altLang="en-US" smtClean="0"/>
+              <a:t>12</a:t>
             </a:fld>
             <a:endParaRPr lang="zh-CN" altLang="en-US"/>
           </a:p>
@@ -11889,7 +11795,7 @@
           <p:nvPr/>
         </p:nvPicPr>
         <p:blipFill>
-          <a:blip r:embed="rId1"/>
+          <a:blip r:embed="rId3"/>
           <a:stretch>
             <a:fillRect/>
           </a:stretch>
@@ -11965,7 +11871,6 @@
               <a:rPr lang="zh-CN" altLang="en-US" dirty="0"/>
               <a:t>基于图的计算过程</a:t>
             </a:r>
-            <a:endParaRPr lang="zh-CN" altLang="en-US" dirty="0"/>
           </a:p>
         </p:txBody>
       </p:sp>
@@ -12000,11 +11905,6 @@
               </a:rPr>
               <a:t>作者合作簇计算</a:t>
             </a:r>
-            <a:endParaRPr dirty="0">
-              <a:solidFill>
-                <a:prstClr val="black"/>
-              </a:solidFill>
-            </a:endParaRPr>
           </a:p>
           <a:p>
             <a:pPr lvl="1"/>
@@ -12033,6 +11933,7 @@
           <a:p>
             <a:fld id="{02AE1E35-F495-4665-8CB0-CDD28443F6EA}" type="slidenum">
               <a:rPr lang="zh-CN" altLang="en-US" smtClean="0"/>
+              <a:t>13</a:t>
             </a:fld>
             <a:endParaRPr lang="zh-CN" altLang="en-US"/>
           </a:p>
@@ -12047,7 +11948,7 @@
           <p:nvPr/>
         </p:nvPicPr>
         <p:blipFill>
-          <a:blip r:embed="rId1"/>
+          <a:blip r:embed="rId3"/>
           <a:stretch>
             <a:fillRect/>
           </a:stretch>
@@ -12071,7 +11972,7 @@
           <p:nvPr/>
         </p:nvPicPr>
         <p:blipFill>
-          <a:blip r:embed="rId2"/>
+          <a:blip r:embed="rId4"/>
           <a:stretch>
             <a:fillRect/>
           </a:stretch>
@@ -12147,7 +12048,6 @@
               <a:rPr lang="zh-CN" altLang="en-US" dirty="0"/>
               <a:t>基于图的计算过程</a:t>
             </a:r>
-            <a:endParaRPr lang="zh-CN" altLang="en-US" dirty="0"/>
           </a:p>
         </p:txBody>
       </p:sp>
@@ -12182,11 +12082,6 @@
               </a:rPr>
               <a:t>作者合作情况统计</a:t>
             </a:r>
-            <a:endParaRPr dirty="0">
-              <a:solidFill>
-                <a:prstClr val="black"/>
-              </a:solidFill>
-            </a:endParaRPr>
           </a:p>
           <a:p>
             <a:pPr lvl="1"/>
@@ -12215,6 +12110,7 @@
           <a:p>
             <a:fld id="{02AE1E35-F495-4665-8CB0-CDD28443F6EA}" type="slidenum">
               <a:rPr lang="zh-CN" altLang="en-US" smtClean="0"/>
+              <a:t>14</a:t>
             </a:fld>
             <a:endParaRPr lang="zh-CN" altLang="en-US"/>
           </a:p>
@@ -12229,7 +12125,7 @@
           <p:nvPr/>
         </p:nvPicPr>
         <p:blipFill>
-          <a:blip r:embed="rId1"/>
+          <a:blip r:embed="rId3"/>
           <a:stretch>
             <a:fillRect/>
           </a:stretch>
@@ -12305,7 +12201,6 @@
               <a:rPr lang="zh-CN" altLang="en-US" dirty="0"/>
               <a:t>基于图的计算过程</a:t>
             </a:r>
-            <a:endParaRPr lang="zh-CN" altLang="en-US" dirty="0"/>
           </a:p>
         </p:txBody>
       </p:sp>
@@ -12340,11 +12235,6 @@
               </a:rPr>
               <a:t>作者合作关系搜索</a:t>
             </a:r>
-            <a:endParaRPr dirty="0">
-              <a:solidFill>
-                <a:prstClr val="black"/>
-              </a:solidFill>
-            </a:endParaRPr>
           </a:p>
         </p:txBody>
       </p:sp>
@@ -12365,6 +12255,7 @@
           <a:p>
             <a:fld id="{02AE1E35-F495-4665-8CB0-CDD28443F6EA}" type="slidenum">
               <a:rPr lang="zh-CN" altLang="en-US" smtClean="0"/>
+              <a:t>15</a:t>
             </a:fld>
             <a:endParaRPr lang="zh-CN" altLang="en-US"/>
           </a:p>
@@ -12379,7 +12270,7 @@
           <p:nvPr/>
         </p:nvPicPr>
         <p:blipFill>
-          <a:blip r:embed="rId1"/>
+          <a:blip r:embed="rId3"/>
           <a:stretch>
             <a:fillRect/>
           </a:stretch>
@@ -12403,7 +12294,7 @@
           <p:nvPr/>
         </p:nvPicPr>
         <p:blipFill>
-          <a:blip r:embed="rId2"/>
+          <a:blip r:embed="rId4"/>
           <a:stretch>
             <a:fillRect/>
           </a:stretch>
@@ -12427,7 +12318,7 @@
           <p:nvPr/>
         </p:nvPicPr>
         <p:blipFill>
-          <a:blip r:embed="rId3"/>
+          <a:blip r:embed="rId5"/>
           <a:stretch>
             <a:fillRect/>
           </a:stretch>
@@ -12503,7 +12394,6 @@
               <a:rPr lang="zh-CN" altLang="en-US" dirty="0"/>
               <a:t>问题和解决方案</a:t>
             </a:r>
-            <a:endParaRPr lang="zh-CN" altLang="en-US" dirty="0"/>
           </a:p>
         </p:txBody>
       </p:sp>
@@ -12548,11 +12438,6 @@
               </a:rPr>
               <a:t>数据量过大导致运算时间过长。</a:t>
             </a:r>
-            <a:endParaRPr dirty="0">
-              <a:solidFill>
-                <a:prstClr val="black"/>
-              </a:solidFill>
-            </a:endParaRPr>
           </a:p>
           <a:p>
             <a:pPr lvl="0"/>
@@ -12580,11 +12465,6 @@
               </a:rPr>
               <a:t>这是最大的困难，迫使我们多次修改实现方式，以及做出妥协。一开始我们希望统计某领域内所有作者的合作情况并为他们分组，但spark任务运行时间过长导致我们无法在做最终展示前准备好所有数据，数量超过1万的作者也让前端展示的关系图变成了一团乱麻。</a:t>
             </a:r>
-            <a:endParaRPr dirty="0">
-              <a:solidFill>
-                <a:prstClr val="black"/>
-              </a:solidFill>
-            </a:endParaRPr>
           </a:p>
           <a:p>
             <a:pPr lvl="0"/>
@@ -12604,11 +12484,6 @@
               </a:rPr>
               <a:t>解决方案：妥协，只计算单个领域内发表论文数前100的作者的合作簇，以及统计他们的合作情况。</a:t>
             </a:r>
-            <a:endParaRPr dirty="0">
-              <a:solidFill>
-                <a:prstClr val="black"/>
-              </a:solidFill>
-            </a:endParaRPr>
           </a:p>
           <a:p>
             <a:pPr lvl="1"/>
@@ -12645,6 +12520,7 @@
           <a:p>
             <a:fld id="{02AE1E35-F495-4665-8CB0-CDD28443F6EA}" type="slidenum">
               <a:rPr lang="zh-CN" altLang="en-US" smtClean="0"/>
+              <a:t>16</a:t>
             </a:fld>
             <a:endParaRPr lang="zh-CN" altLang="en-US"/>
           </a:p>
@@ -12714,7 +12590,6 @@
               <a:rPr lang="zh-CN" altLang="en-US" dirty="0"/>
               <a:t>问题和解决方案</a:t>
             </a:r>
-            <a:endParaRPr lang="zh-CN" altLang="en-US" dirty="0"/>
           </a:p>
         </p:txBody>
       </p:sp>
@@ -12759,11 +12634,6 @@
               </a:rPr>
               <a:t>运算结果数据过大以至于无法预先算好并存入MySQL数据库。</a:t>
             </a:r>
-            <a:endParaRPr dirty="0">
-              <a:solidFill>
-                <a:prstClr val="black"/>
-              </a:solidFill>
-            </a:endParaRPr>
           </a:p>
           <a:p>
             <a:pPr lvl="0"/>
@@ -12787,11 +12657,6 @@
               </a:rPr>
               <a:t>对于作者间接合作关系搜索，我们最初的想法是像其他图的计算一样，预先算好结果存入MySQL数据库，让后端直接从中读取结果。但初步实现并测试后发现，这意味着对于m篇有n个作者的论文，我们就有                                条符合条件的边要存！简单计算一下就知道，这意味着仅仅对于10万篇有4个作者（这应该很常见）的论文，我们就要存下共计600万（100000×(12+24+24)）条边，而这还不算那些写了多篇论文的作者的额外贡献（这部分应该会更多）！我们及时地在MySQL存了240万条边后停了下来，并为MySQL的坚挺感到庆幸。</a:t>
             </a:r>
-            <a:endParaRPr dirty="0">
-              <a:solidFill>
-                <a:prstClr val="black"/>
-              </a:solidFill>
-            </a:endParaRPr>
           </a:p>
           <a:p>
             <a:pPr lvl="1">
@@ -12807,11 +12672,6 @@
               </a:rPr>
               <a:t>解决方案：最终我们选择不再采取预先全部算好的方式，转为在用户请求搜索两个作者间的关系时实时启动spark，只以这两个作者分别作为起点和终点进行计算，结果通过存入MySQL的方式传递给后端。</a:t>
             </a:r>
-            <a:endParaRPr dirty="0">
-              <a:solidFill>
-                <a:prstClr val="black"/>
-              </a:solidFill>
-            </a:endParaRPr>
           </a:p>
           <a:p>
             <a:pPr lvl="1"/>
@@ -12848,6 +12708,7 @@
           <a:p>
             <a:fld id="{02AE1E35-F495-4665-8CB0-CDD28443F6EA}" type="slidenum">
               <a:rPr lang="zh-CN" altLang="en-US" smtClean="0"/>
+              <a:t>17</a:t>
             </a:fld>
             <a:endParaRPr lang="zh-CN" altLang="en-US"/>
           </a:p>
@@ -12862,7 +12723,7 @@
           <p:nvPr/>
         </p:nvPicPr>
         <p:blipFill>
-          <a:blip r:embed="rId1"/>
+          <a:blip r:embed="rId3"/>
           <a:stretch>
             <a:fillRect/>
           </a:stretch>
@@ -12938,7 +12799,6 @@
               <a:rPr lang="zh-CN" altLang="en-US" dirty="0"/>
               <a:t>问题和解决方案</a:t>
             </a:r>
-            <a:endParaRPr lang="zh-CN" altLang="en-US" dirty="0"/>
           </a:p>
         </p:txBody>
       </p:sp>
@@ -12983,11 +12843,6 @@
               </a:rPr>
               <a:t>操作DataFrame时不容易弄清楚返回结果的结构。</a:t>
             </a:r>
-            <a:endParaRPr dirty="0">
-              <a:solidFill>
-                <a:prstClr val="black"/>
-              </a:solidFill>
-            </a:endParaRPr>
           </a:p>
           <a:p>
             <a:pPr lvl="0"/>
@@ -13007,11 +12862,6 @@
               </a:rPr>
               <a:t>与RDD不同，DataFrame无法在源码阶段推断出表头的结构，IDE对此无能为力，为代码的编写和纠错带来不小的困难。</a:t>
             </a:r>
-            <a:endParaRPr dirty="0">
-              <a:solidFill>
-                <a:prstClr val="black"/>
-              </a:solidFill>
-            </a:endParaRPr>
           </a:p>
           <a:p>
             <a:pPr lvl="1"/>
@@ -13023,11 +12873,6 @@
               </a:rPr>
               <a:t>解决方案：通过spark-shell一点点进行单步调试。</a:t>
             </a:r>
-            <a:endParaRPr dirty="0">
-              <a:solidFill>
-                <a:prstClr val="black"/>
-              </a:solidFill>
-            </a:endParaRPr>
           </a:p>
           <a:p>
             <a:pPr lvl="2"/>
@@ -13064,6 +12909,7 @@
           <a:p>
             <a:fld id="{02AE1E35-F495-4665-8CB0-CDD28443F6EA}" type="slidenum">
               <a:rPr lang="zh-CN" altLang="en-US" smtClean="0"/>
+              <a:t>18</a:t>
             </a:fld>
             <a:endParaRPr lang="zh-CN" altLang="en-US"/>
           </a:p>
@@ -13130,7 +12976,6 @@
               <a:rPr lang="zh-CN" altLang="en-US" dirty="0"/>
               <a:t>领域交叉统计</a:t>
             </a:r>
-            <a:endParaRPr lang="zh-CN" altLang="en-US" dirty="0"/>
           </a:p>
         </p:txBody>
       </p:sp>
@@ -13174,6 +13019,7 @@
           <a:p>
             <a:fld id="{02AE1E35-F495-4665-8CB0-CDD28443F6EA}" type="slidenum">
               <a:rPr lang="zh-CN" altLang="en-US" smtClean="0"/>
+              <a:t>19</a:t>
             </a:fld>
             <a:endParaRPr lang="zh-CN" altLang="en-US"/>
           </a:p>
@@ -13181,14 +13027,20 @@
       </p:sp>
       <p:pic>
         <p:nvPicPr>
-          <p:cNvPr id="7" name="Picture 6"/>
+          <p:cNvPr id="9" name="图片 8">
+            <a:extLst>
+              <a:ext uri="{FF2B5EF4-FFF2-40B4-BE49-F238E27FC236}">
+                <a16:creationId xmlns:a16="http://schemas.microsoft.com/office/drawing/2014/main" id="{F0F3535F-D70A-4C9E-B1F9-974DE4A08553}"/>
+              </a:ext>
+            </a:extLst>
+          </p:cNvPr>
           <p:cNvPicPr>
             <a:picLocks noChangeAspect="1"/>
           </p:cNvPicPr>
           <p:nvPr/>
         </p:nvPicPr>
         <p:blipFill>
-          <a:blip r:embed="rId1" cstate="print">
+          <a:blip r:embed="rId3">
             <a:extLst>
               <a:ext uri="{28A0092B-C50C-407E-A947-70E740481C1C}">
                 <a14:useLocalDpi xmlns:a14="http://schemas.microsoft.com/office/drawing/2010/main" val="0"/>
@@ -13201,8 +13053,8 @@
         </p:blipFill>
         <p:spPr>
           <a:xfrm>
-            <a:off x="775106" y="1865718"/>
-            <a:ext cx="7592210" cy="4252449"/>
+            <a:off x="798488" y="1675260"/>
+            <a:ext cx="7545445" cy="4208944"/>
           </a:xfrm>
           <a:prstGeom prst="rect">
             <a:avLst/>
@@ -13282,11 +13134,6 @@
               </a:rPr>
               <a:t>录</a:t>
             </a:r>
-            <a:endParaRPr lang="zh-CN" altLang="en-US" sz="3200" dirty="0">
-              <a:solidFill>
-                <a:schemeClr val="bg1"/>
-              </a:solidFill>
-            </a:endParaRPr>
           </a:p>
         </p:txBody>
       </p:sp>
@@ -13451,6 +13298,7 @@
           <a:p>
             <a:fld id="{02AE1E35-F495-4665-8CB0-CDD28443F6EA}" type="slidenum">
               <a:rPr lang="zh-CN" altLang="en-US" smtClean="0"/>
+              <a:t>2</a:t>
             </a:fld>
             <a:endParaRPr lang="zh-CN" altLang="en-US"/>
           </a:p>
@@ -13517,7 +13365,6 @@
               <a:rPr lang="zh-CN" altLang="en-US" dirty="0"/>
               <a:t>相关领域排名</a:t>
             </a:r>
-            <a:endParaRPr lang="zh-CN" altLang="en-US" dirty="0"/>
           </a:p>
         </p:txBody>
       </p:sp>
@@ -13563,6 +13410,7 @@
           <a:p>
             <a:fld id="{02AE1E35-F495-4665-8CB0-CDD28443F6EA}" type="slidenum">
               <a:rPr lang="zh-CN" altLang="en-US" smtClean="0"/>
+              <a:t>20</a:t>
             </a:fld>
             <a:endParaRPr lang="zh-CN" altLang="en-US"/>
           </a:p>
@@ -13570,14 +13418,20 @@
       </p:sp>
       <p:pic>
         <p:nvPicPr>
-          <p:cNvPr id="6" name="Picture 5"/>
+          <p:cNvPr id="7" name="图片 6">
+            <a:extLst>
+              <a:ext uri="{FF2B5EF4-FFF2-40B4-BE49-F238E27FC236}">
+                <a16:creationId xmlns:a16="http://schemas.microsoft.com/office/drawing/2014/main" id="{C3BF2353-6465-4F17-82FB-B238C880D0A9}"/>
+              </a:ext>
+            </a:extLst>
+          </p:cNvPr>
           <p:cNvPicPr>
             <a:picLocks noChangeAspect="1"/>
           </p:cNvPicPr>
           <p:nvPr/>
         </p:nvPicPr>
         <p:blipFill>
-          <a:blip r:embed="rId1">
+          <a:blip r:embed="rId3">
             <a:extLst>
               <a:ext uri="{28A0092B-C50C-407E-A947-70E740481C1C}">
                 <a14:useLocalDpi xmlns:a14="http://schemas.microsoft.com/office/drawing/2010/main" val="0"/>
@@ -13590,8 +13444,8 @@
         </p:blipFill>
         <p:spPr>
           <a:xfrm>
-            <a:off x="704061" y="1803977"/>
-            <a:ext cx="7734300" cy="4330700"/>
+            <a:off x="583135" y="1558249"/>
+            <a:ext cx="7976152" cy="4442966"/>
           </a:xfrm>
           <a:prstGeom prst="rect">
             <a:avLst/>
@@ -13659,7 +13513,6 @@
               <a:rPr lang="zh-CN" altLang="en-US" dirty="0"/>
               <a:t>领域内合作情况</a:t>
             </a:r>
-            <a:endParaRPr lang="zh-CN" altLang="en-US" dirty="0"/>
           </a:p>
         </p:txBody>
       </p:sp>
@@ -13705,6 +13558,7 @@
           <a:p>
             <a:fld id="{02AE1E35-F495-4665-8CB0-CDD28443F6EA}" type="slidenum">
               <a:rPr lang="zh-CN" altLang="en-US" smtClean="0"/>
+              <a:t>21</a:t>
             </a:fld>
             <a:endParaRPr lang="zh-CN" altLang="en-US"/>
           </a:p>
@@ -13712,14 +13566,20 @@
       </p:sp>
       <p:pic>
         <p:nvPicPr>
-          <p:cNvPr id="7" name="Picture 6"/>
+          <p:cNvPr id="6" name="图片 5">
+            <a:extLst>
+              <a:ext uri="{FF2B5EF4-FFF2-40B4-BE49-F238E27FC236}">
+                <a16:creationId xmlns:a16="http://schemas.microsoft.com/office/drawing/2014/main" id="{D8561D53-606A-4921-8310-4DB9AC9521AD}"/>
+              </a:ext>
+            </a:extLst>
+          </p:cNvPr>
           <p:cNvPicPr>
             <a:picLocks noChangeAspect="1"/>
           </p:cNvPicPr>
           <p:nvPr/>
         </p:nvPicPr>
         <p:blipFill>
-          <a:blip r:embed="rId1">
+          <a:blip r:embed="rId3">
             <a:extLst>
               <a:ext uri="{28A0092B-C50C-407E-A947-70E740481C1C}">
                 <a14:useLocalDpi xmlns:a14="http://schemas.microsoft.com/office/drawing/2010/main" val="0"/>
@@ -13732,8 +13592,8 @@
         </p:blipFill>
         <p:spPr>
           <a:xfrm>
-            <a:off x="2181513" y="1773381"/>
-            <a:ext cx="4780395" cy="4560377"/>
+            <a:off x="798488" y="1672313"/>
+            <a:ext cx="7545445" cy="4214838"/>
           </a:xfrm>
           <a:prstGeom prst="rect">
             <a:avLst/>
@@ -13801,7 +13661,6 @@
               <a:rPr lang="zh-CN" altLang="en-US" dirty="0"/>
               <a:t>合作关系探索</a:t>
             </a:r>
-            <a:endParaRPr lang="zh-CN" altLang="en-US" dirty="0"/>
           </a:p>
         </p:txBody>
       </p:sp>
@@ -13845,6 +13704,7 @@
           <a:p>
             <a:fld id="{02AE1E35-F495-4665-8CB0-CDD28443F6EA}" type="slidenum">
               <a:rPr lang="zh-CN" altLang="en-US" smtClean="0"/>
+              <a:t>22</a:t>
             </a:fld>
             <a:endParaRPr lang="zh-CN" altLang="en-US"/>
           </a:p>
@@ -13852,14 +13712,20 @@
       </p:sp>
       <p:pic>
         <p:nvPicPr>
-          <p:cNvPr id="6" name="Picture 5"/>
+          <p:cNvPr id="7" name="图片 6">
+            <a:extLst>
+              <a:ext uri="{FF2B5EF4-FFF2-40B4-BE49-F238E27FC236}">
+                <a16:creationId xmlns:a16="http://schemas.microsoft.com/office/drawing/2014/main" id="{72D00719-CE1E-4F60-B675-3CE78F6D6957}"/>
+              </a:ext>
+            </a:extLst>
+          </p:cNvPr>
           <p:cNvPicPr>
             <a:picLocks noChangeAspect="1"/>
           </p:cNvPicPr>
           <p:nvPr/>
         </p:nvPicPr>
         <p:blipFill>
-          <a:blip r:embed="rId1">
+          <a:blip r:embed="rId3">
             <a:extLst>
               <a:ext uri="{28A0092B-C50C-407E-A947-70E740481C1C}">
                 <a14:useLocalDpi xmlns:a14="http://schemas.microsoft.com/office/drawing/2010/main" val="0"/>
@@ -13872,8 +13738,8 @@
         </p:blipFill>
         <p:spPr>
           <a:xfrm>
-            <a:off x="1071274" y="1641449"/>
-            <a:ext cx="6999873" cy="4729877"/>
+            <a:off x="1091228" y="1835835"/>
+            <a:ext cx="6959965" cy="3887793"/>
           </a:xfrm>
           <a:prstGeom prst="rect">
             <a:avLst/>
@@ -13941,7 +13807,6 @@
               <a:rPr lang="zh-CN" altLang="en-US" dirty="0"/>
               <a:t>运行视频</a:t>
             </a:r>
-            <a:endParaRPr lang="zh-CN" altLang="en-US" dirty="0"/>
           </a:p>
         </p:txBody>
       </p:sp>
@@ -13962,6 +13827,7 @@
           <a:p>
             <a:fld id="{02AE1E35-F495-4665-8CB0-CDD28443F6EA}" type="slidenum">
               <a:rPr lang="zh-CN" altLang="en-US" smtClean="0"/>
+              <a:t>23</a:t>
             </a:fld>
             <a:endParaRPr lang="zh-CN" altLang="en-US"/>
           </a:p>
@@ -14025,14 +13891,6 @@
               </a:rPr>
               <a:t>谢 谢</a:t>
             </a:r>
-            <a:endParaRPr lang="zh-CN" altLang="en-US" sz="5000" b="1" dirty="0">
-              <a:solidFill>
-                <a:srgbClr val="6F0E6F"/>
-              </a:solidFill>
-              <a:latin typeface="微软雅黑" panose="020B0503020204020204" pitchFamily="34" charset="-122"/>
-              <a:ea typeface="微软雅黑" panose="020B0503020204020204" pitchFamily="34" charset="-122"/>
-              <a:cs typeface="+mj-cs"/>
-            </a:endParaRPr>
           </a:p>
           <a:p>
             <a:pPr algn="ctr"/>
@@ -14086,7 +13944,7 @@
             <p:nvPr userDrawn="1"/>
           </p:nvPicPr>
           <p:blipFill>
-            <a:blip r:embed="rId1" cstate="print">
+            <a:blip r:embed="rId2" cstate="print">
               <a:extLst>
                 <a:ext uri="{28A0092B-C50C-407E-A947-70E740481C1C}">
                   <a14:useLocalDpi xmlns:a14="http://schemas.microsoft.com/office/drawing/2010/main" val="0"/>
@@ -14116,7 +13974,7 @@
             <p:nvPr userDrawn="1"/>
           </p:nvPicPr>
           <p:blipFill>
-            <a:blip r:embed="rId2" cstate="print">
+            <a:blip r:embed="rId3" cstate="print">
               <a:extLst>
                 <a:ext uri="{28A0092B-C50C-407E-A947-70E740481C1C}">
                   <a14:useLocalDpi xmlns:a14="http://schemas.microsoft.com/office/drawing/2010/main" val="0"/>
@@ -14155,6 +14013,7 @@
           <a:p>
             <a:fld id="{02AE1E35-F495-4665-8CB0-CDD28443F6EA}" type="slidenum">
               <a:rPr lang="zh-CN" altLang="en-US" smtClean="0"/>
+              <a:t>24</a:t>
             </a:fld>
             <a:endParaRPr lang="zh-CN" altLang="en-US"/>
           </a:p>
@@ -14165,11 +14024,11 @@
   <p:clrMapOvr>
     <a:masterClrMapping/>
   </p:clrMapOvr>
-  <mc:AlternateContent xmlns:mc="http://schemas.openxmlformats.org/markup-compatibility/2006">
-    <mc:Choice xmlns:p14="http://schemas.microsoft.com/office/powerpoint/2010/main" Requires="p14">
+  <mc:AlternateContent xmlns:mc="http://schemas.openxmlformats.org/markup-compatibility/2006" xmlns:p14="http://schemas.microsoft.com/office/powerpoint/2010/main">
+    <mc:Choice Requires="p14">
       <p:transition spd="slow" p14:dur="2000" advTm="21237"/>
     </mc:Choice>
-    <mc:Fallback>
+    <mc:Fallback xmlns="">
       <p:transition spd="slow" advTm="21237"/>
     </mc:Fallback>
   </mc:AlternateContent>
@@ -14221,7 +14080,6 @@
               <a:rPr lang="zh-CN" altLang="en-US" dirty="0"/>
               <a:t> 需求分析</a:t>
             </a:r>
-            <a:endParaRPr lang="zh-CN" altLang="en-US" dirty="0"/>
           </a:p>
         </p:txBody>
       </p:sp>
@@ -14322,10 +14180,6 @@
               </a:rPr>
               <a:t>我们假设两个领域的交叉是指有论文同属于两个不同的领域</a:t>
             </a:r>
-            <a:endParaRPr lang="ja-JP" altLang="en-US" sz="1600">
-              <a:latin typeface="微软雅黑" panose="020B0503020204020204" pitchFamily="34" charset="-122"/>
-              <a:ea typeface="微软雅黑" panose="020B0503020204020204" pitchFamily="34" charset="-122"/>
-            </a:endParaRPr>
           </a:p>
           <a:p>
             <a:pPr lvl="1"/>
@@ -14336,10 +14190,6 @@
               </a:rPr>
               <a:t>一个领域能和更多的领域交叉，意味着包含更多等待解决的问题，有更好的发展前景</a:t>
             </a:r>
-            <a:endParaRPr lang="ja-JP" altLang="en-US" sz="1600">
-              <a:latin typeface="微软雅黑" panose="020B0503020204020204" pitchFamily="34" charset="-122"/>
-              <a:ea typeface="微软雅黑" panose="020B0503020204020204" pitchFamily="34" charset="-122"/>
-            </a:endParaRPr>
           </a:p>
           <a:p>
             <a:pPr lvl="1"/>
@@ -14350,10 +14200,6 @@
               </a:rPr>
               <a:t>我们假设两个作者的合作是指他们曾经合作发表过论文</a:t>
             </a:r>
-            <a:endParaRPr lang="ja-JP" altLang="en-US" sz="1600">
-              <a:latin typeface="微软雅黑" panose="020B0503020204020204" pitchFamily="34" charset="-122"/>
-              <a:ea typeface="微软雅黑" panose="020B0503020204020204" pitchFamily="34" charset="-122"/>
-            </a:endParaRPr>
           </a:p>
           <a:p>
             <a:pPr marL="342900" lvl="1" indent="0">
@@ -14372,10 +14218,6 @@
               </a:rPr>
               <a:t>具体问题</a:t>
             </a:r>
-            <a:endParaRPr lang="zh-CN" altLang="en-US" sz="1800" dirty="0">
-              <a:latin typeface="微软雅黑" panose="020B0503020204020204" pitchFamily="34" charset="-122"/>
-              <a:ea typeface="微软雅黑" panose="020B0503020204020204" pitchFamily="34" charset="-122"/>
-            </a:endParaRPr>
           </a:p>
           <a:p>
             <a:pPr lvl="1"/>
@@ -14386,10 +14228,6 @@
               </a:rPr>
               <a:t>统计特定时间段内各个领域和其他领域的交叉程度，并找出交叉程度高的领域</a:t>
             </a:r>
-            <a:endParaRPr lang="ja-JP" altLang="en-US" sz="1600">
-              <a:latin typeface="微软雅黑" panose="020B0503020204020204" pitchFamily="34" charset="-122"/>
-              <a:ea typeface="微软雅黑" panose="020B0503020204020204" pitchFamily="34" charset="-122"/>
-            </a:endParaRPr>
           </a:p>
           <a:p>
             <a:pPr lvl="1"/>
@@ -14400,10 +14238,6 @@
               </a:rPr>
               <a:t>统计特定时间段内和某领域交叉程度较高的领域</a:t>
             </a:r>
-            <a:endParaRPr lang="ja-JP" altLang="en-US" sz="1600">
-              <a:latin typeface="微软雅黑" panose="020B0503020204020204" pitchFamily="34" charset="-122"/>
-              <a:ea typeface="微软雅黑" panose="020B0503020204020204" pitchFamily="34" charset="-122"/>
-            </a:endParaRPr>
           </a:p>
           <a:p>
             <a:pPr lvl="1"/>
@@ -14414,10 +14248,6 @@
               </a:rPr>
               <a:t>探究某领域内作者间的合作情况，寻找各个作者所活跃的课题小组</a:t>
             </a:r>
-            <a:endParaRPr lang="ja-JP" altLang="en-US" sz="1600">
-              <a:latin typeface="微软雅黑" panose="020B0503020204020204" pitchFamily="34" charset="-122"/>
-              <a:ea typeface="微软雅黑" panose="020B0503020204020204" pitchFamily="34" charset="-122"/>
-            </a:endParaRPr>
           </a:p>
           <a:p>
             <a:pPr lvl="1"/>
@@ -14428,10 +14258,6 @@
               </a:rPr>
               <a:t>计算两个作者关系可以通过哪些合作者产生合作，探寻两个作者之间可能的合作关系</a:t>
             </a:r>
-            <a:endParaRPr lang="ja-JP" altLang="en-US" sz="1600">
-              <a:latin typeface="微软雅黑" panose="020B0503020204020204" pitchFamily="34" charset="-122"/>
-              <a:ea typeface="微软雅黑" panose="020B0503020204020204" pitchFamily="34" charset="-122"/>
-            </a:endParaRPr>
           </a:p>
           <a:p>
             <a:pPr lvl="1"/>
@@ -14459,6 +14285,7 @@
           <a:p>
             <a:fld id="{02AE1E35-F495-4665-8CB0-CDD28443F6EA}" type="slidenum">
               <a:rPr lang="zh-CN" altLang="en-US" smtClean="0"/>
+              <a:t>3</a:t>
             </a:fld>
             <a:endParaRPr lang="zh-CN" altLang="en-US"/>
           </a:p>
@@ -14517,7 +14344,6 @@
               <a:rPr lang="zh-CN" altLang="en-US" dirty="0"/>
               <a:t> 整体架构</a:t>
             </a:r>
-            <a:endParaRPr lang="zh-CN" altLang="en-US" dirty="0"/>
           </a:p>
         </p:txBody>
       </p:sp>
@@ -14538,6 +14364,7 @@
           <a:p>
             <a:fld id="{02AE1E35-F495-4665-8CB0-CDD28443F6EA}" type="slidenum">
               <a:rPr lang="zh-CN" altLang="en-US" smtClean="0"/>
+              <a:t>4</a:t>
             </a:fld>
             <a:endParaRPr lang="zh-CN" altLang="en-US"/>
           </a:p>
@@ -14552,7 +14379,7 @@
           <p:nvPr/>
         </p:nvPicPr>
         <p:blipFill>
-          <a:blip r:embed="rId1"/>
+          <a:blip r:embed="rId3"/>
           <a:stretch>
             <a:fillRect/>
           </a:stretch>
@@ -14584,7 +14411,7 @@
         </p:xfrm>
         <a:graphic>
           <a:graphicData uri="http://schemas.openxmlformats.org/drawingml/2006/diagram">
-            <dgm:relIds xmlns:dgm="http://schemas.openxmlformats.org/drawingml/2006/diagram" xmlns:r="http://schemas.openxmlformats.org/officeDocument/2006/relationships" r:dm="rId2" r:lo="rId3" r:qs="rId4" r:cs="rId5"/>
+            <dgm:relIds xmlns:dgm="http://schemas.openxmlformats.org/drawingml/2006/diagram" xmlns:r="http://schemas.openxmlformats.org/officeDocument/2006/relationships" r:dm="rId4" r:lo="rId5" r:qs="rId6" r:cs="rId7"/>
           </a:graphicData>
         </a:graphic>
       </p:graphicFrame>
@@ -14597,7 +14424,7 @@
           <p:nvPr/>
         </p:nvPicPr>
         <p:blipFill>
-          <a:blip r:embed="rId7"/>
+          <a:blip r:embed="rId9"/>
           <a:stretch>
             <a:fillRect/>
           </a:stretch>
@@ -14621,7 +14448,7 @@
           <p:nvPr/>
         </p:nvPicPr>
         <p:blipFill>
-          <a:blip r:embed="rId8"/>
+          <a:blip r:embed="rId10"/>
           <a:stretch>
             <a:fillRect/>
           </a:stretch>
@@ -14645,7 +14472,7 @@
           <p:nvPr/>
         </p:nvPicPr>
         <p:blipFill>
-          <a:blip r:embed="rId9"/>
+          <a:blip r:embed="rId11"/>
           <a:stretch>
             <a:fillRect/>
           </a:stretch>
@@ -14739,13 +14566,13 @@
           <p:nvPr/>
         </p:nvPicPr>
         <p:blipFill>
-          <a:blip r:embed="rId10">
+          <a:blip r:embed="rId12">
             <a:extLst>
               <a:ext uri="{28A0092B-C50C-407E-A947-70E740481C1C}">
                 <a14:useLocalDpi xmlns:a14="http://schemas.microsoft.com/office/drawing/2010/main" val="0"/>
               </a:ext>
               <a:ext uri="{96DAC541-7B7A-43D3-8B79-37D633B846F1}">
-                <asvg:svgBlip xmlns:asvg="http://schemas.microsoft.com/office/drawing/2016/SVG/main" r:embed="rId11"/>
+                <asvg:svgBlip xmlns:asvg="http://schemas.microsoft.com/office/drawing/2016/SVG/main" r:embed="rId13"/>
               </a:ext>
             </a:extLst>
           </a:blip>
@@ -14772,13 +14599,13 @@
           <p:nvPr/>
         </p:nvPicPr>
         <p:blipFill>
-          <a:blip r:embed="rId12">
+          <a:blip r:embed="rId14">
             <a:extLst>
               <a:ext uri="{28A0092B-C50C-407E-A947-70E740481C1C}">
                 <a14:useLocalDpi xmlns:a14="http://schemas.microsoft.com/office/drawing/2010/main" val="0"/>
               </a:ext>
               <a:ext uri="{96DAC541-7B7A-43D3-8B79-37D633B846F1}">
-                <asvg:svgBlip xmlns:asvg="http://schemas.microsoft.com/office/drawing/2016/SVG/main" r:embed="rId13"/>
+                <asvg:svgBlip xmlns:asvg="http://schemas.microsoft.com/office/drawing/2016/SVG/main" r:embed="rId15"/>
               </a:ext>
             </a:extLst>
           </a:blip>
@@ -14805,7 +14632,7 @@
           <p:nvPr/>
         </p:nvPicPr>
         <p:blipFill>
-          <a:blip r:embed="rId14" cstate="print">
+          <a:blip r:embed="rId16" cstate="print">
             <a:extLst>
               <a:ext uri="{28A0092B-C50C-407E-A947-70E740481C1C}">
                 <a14:useLocalDpi xmlns:a14="http://schemas.microsoft.com/office/drawing/2010/main" val="0"/>
@@ -14887,7 +14714,6 @@
               <a:rPr lang="zh-CN" altLang="en-US" dirty="0"/>
               <a:t>图构造过程</a:t>
             </a:r>
-            <a:endParaRPr lang="zh-CN" altLang="en-US" dirty="0"/>
           </a:p>
         </p:txBody>
       </p:sp>
@@ -14921,11 +14747,6 @@
               </a:rPr>
               <a:t>主要构造以下两种图用于计算：</a:t>
             </a:r>
-            <a:endParaRPr dirty="0">
-              <a:solidFill>
-                <a:prstClr val="black"/>
-              </a:solidFill>
-            </a:endParaRPr>
           </a:p>
           <a:p>
             <a:pPr marL="0" lvl="0" indent="0">
@@ -14959,11 +14780,6 @@
               </a:rPr>
               <a:t>1. 领域的共同论文构成的图</a:t>
             </a:r>
-            <a:endParaRPr dirty="0">
-              <a:solidFill>
-                <a:prstClr val="black"/>
-              </a:solidFill>
-            </a:endParaRPr>
           </a:p>
           <a:p>
             <a:pPr lvl="1"/>
@@ -14983,11 +14799,6 @@
               </a:rPr>
               <a:t>。</a:t>
             </a:r>
-            <a:endParaRPr dirty="0">
-              <a:solidFill>
-                <a:prstClr val="black"/>
-              </a:solidFill>
-            </a:endParaRPr>
           </a:p>
           <a:p>
             <a:pPr lvl="1"/>
@@ -15007,11 +14818,6 @@
               </a:rPr>
               <a:t>。</a:t>
             </a:r>
-            <a:endParaRPr dirty="0">
-              <a:solidFill>
-                <a:prstClr val="black"/>
-              </a:solidFill>
-            </a:endParaRPr>
           </a:p>
           <a:p>
             <a:pPr marL="0" lvl="0" indent="0">
@@ -15035,11 +14841,6 @@
               </a:rPr>
               <a:t>2. 作者的共同论文构成的图</a:t>
             </a:r>
-            <a:endParaRPr dirty="0">
-              <a:solidFill>
-                <a:prstClr val="black"/>
-              </a:solidFill>
-            </a:endParaRPr>
           </a:p>
           <a:p>
             <a:pPr lvl="1"/>
@@ -15059,11 +14860,6 @@
               </a:rPr>
               <a:t>。</a:t>
             </a:r>
-            <a:endParaRPr dirty="0">
-              <a:solidFill>
-                <a:prstClr val="black"/>
-              </a:solidFill>
-            </a:endParaRPr>
           </a:p>
           <a:p>
             <a:pPr lvl="1"/>
@@ -15083,11 +14879,6 @@
               </a:rPr>
               <a:t>。</a:t>
             </a:r>
-            <a:endParaRPr dirty="0">
-              <a:solidFill>
-                <a:prstClr val="black"/>
-              </a:solidFill>
-            </a:endParaRPr>
           </a:p>
           <a:p>
             <a:pPr lvl="1"/>
@@ -15107,11 +14898,6 @@
               </a:rPr>
               <a:t>。</a:t>
             </a:r>
-            <a:endParaRPr dirty="0">
-              <a:solidFill>
-                <a:prstClr val="black"/>
-              </a:solidFill>
-            </a:endParaRPr>
           </a:p>
           <a:p>
             <a:pPr lvl="1"/>
@@ -15140,6 +14926,7 @@
           <a:p>
             <a:fld id="{02AE1E35-F495-4665-8CB0-CDD28443F6EA}" type="slidenum">
               <a:rPr lang="zh-CN" altLang="en-US" smtClean="0"/>
+              <a:t>5</a:t>
             </a:fld>
             <a:endParaRPr lang="zh-CN" altLang="en-US"/>
           </a:p>
@@ -15206,7 +14993,6 @@
               <a:rPr lang="zh-CN" altLang="en-US" dirty="0"/>
               <a:t>图构造过程</a:t>
             </a:r>
-            <a:endParaRPr lang="zh-CN" altLang="en-US" dirty="0"/>
           </a:p>
         </p:txBody>
       </p:sp>
@@ -15267,11 +15053,6 @@
               </a:rPr>
               <a:t>：</a:t>
             </a:r>
-            <a:endParaRPr dirty="0">
-              <a:solidFill>
-                <a:prstClr val="black"/>
-              </a:solidFill>
-            </a:endParaRPr>
           </a:p>
           <a:p>
             <a:pPr marL="0" lvl="0" indent="0">
@@ -15285,11 +15066,6 @@
               </a:rPr>
               <a:t>1. 构造点的集合</a:t>
             </a:r>
-            <a:endParaRPr dirty="0">
-              <a:solidFill>
-                <a:prstClr val="black"/>
-              </a:solidFill>
-            </a:endParaRPr>
           </a:p>
           <a:p>
             <a:pPr marL="0" lvl="0" indent="0">
@@ -15303,11 +15079,6 @@
               </a:rPr>
               <a:t>2. 构造边的集合</a:t>
             </a:r>
-            <a:endParaRPr dirty="0">
-              <a:solidFill>
-                <a:prstClr val="black"/>
-              </a:solidFill>
-            </a:endParaRPr>
           </a:p>
           <a:p>
             <a:pPr marL="0" lvl="0" indent="0">
@@ -15321,11 +15092,6 @@
               </a:rPr>
               <a:t>3. 用点集和边集生成图</a:t>
             </a:r>
-            <a:endParaRPr dirty="0">
-              <a:solidFill>
-                <a:prstClr val="black"/>
-              </a:solidFill>
-            </a:endParaRPr>
           </a:p>
           <a:p>
             <a:pPr marL="0" indent="0">
@@ -15380,6 +15146,7 @@
           <a:p>
             <a:fld id="{02AE1E35-F495-4665-8CB0-CDD28443F6EA}" type="slidenum">
               <a:rPr lang="zh-CN" altLang="en-US" smtClean="0"/>
+              <a:t>6</a:t>
             </a:fld>
             <a:endParaRPr lang="zh-CN" altLang="en-US"/>
           </a:p>
@@ -15394,7 +15161,7 @@
           <p:nvPr/>
         </p:nvPicPr>
         <p:blipFill>
-          <a:blip r:embed="rId1"/>
+          <a:blip r:embed="rId3"/>
           <a:stretch>
             <a:fillRect/>
           </a:stretch>
@@ -15470,7 +15237,6 @@
               <a:rPr lang="zh-CN" altLang="en-US" dirty="0"/>
               <a:t>图构造过程</a:t>
             </a:r>
-            <a:endParaRPr lang="zh-CN" altLang="en-US" dirty="0"/>
           </a:p>
         </p:txBody>
       </p:sp>
@@ -15530,6 +15296,7 @@
           <a:p>
             <a:fld id="{02AE1E35-F495-4665-8CB0-CDD28443F6EA}" type="slidenum">
               <a:rPr lang="zh-CN" altLang="en-US" smtClean="0"/>
+              <a:t>7</a:t>
             </a:fld>
             <a:endParaRPr lang="zh-CN" altLang="en-US"/>
           </a:p>
@@ -15544,7 +15311,7 @@
           <p:nvPr/>
         </p:nvPicPr>
         <p:blipFill>
-          <a:blip r:embed="rId1"/>
+          <a:blip r:embed="rId3"/>
           <a:stretch>
             <a:fillRect/>
           </a:stretch>
@@ -15620,7 +15387,6 @@
               <a:rPr lang="zh-CN" altLang="en-US" dirty="0"/>
               <a:t>图构造过程</a:t>
             </a:r>
-            <a:endParaRPr lang="zh-CN" altLang="en-US" dirty="0"/>
           </a:p>
         </p:txBody>
       </p:sp>
@@ -15655,11 +15421,6 @@
               </a:rPr>
               <a:t>构造点的集合</a:t>
             </a:r>
-            <a:endParaRPr dirty="0">
-              <a:solidFill>
-                <a:prstClr val="black"/>
-              </a:solidFill>
-            </a:endParaRPr>
           </a:p>
           <a:p>
             <a:pPr lvl="1"/>
@@ -15688,6 +15449,7 @@
           <a:p>
             <a:fld id="{02AE1E35-F495-4665-8CB0-CDD28443F6EA}" type="slidenum">
               <a:rPr lang="zh-CN" altLang="en-US" smtClean="0"/>
+              <a:t>8</a:t>
             </a:fld>
             <a:endParaRPr lang="zh-CN" altLang="en-US"/>
           </a:p>
@@ -15702,7 +15464,7 @@
           <p:nvPr/>
         </p:nvPicPr>
         <p:blipFill>
-          <a:blip r:embed="rId1"/>
+          <a:blip r:embed="rId3"/>
           <a:stretch>
             <a:fillRect/>
           </a:stretch>
@@ -15778,7 +15540,6 @@
               <a:rPr lang="zh-CN" altLang="en-US" dirty="0"/>
               <a:t>图构造过程</a:t>
             </a:r>
-            <a:endParaRPr lang="zh-CN" altLang="en-US" dirty="0"/>
           </a:p>
         </p:txBody>
       </p:sp>
@@ -15846,6 +15607,7 @@
           <a:p>
             <a:fld id="{02AE1E35-F495-4665-8CB0-CDD28443F6EA}" type="slidenum">
               <a:rPr lang="zh-CN" altLang="en-US" smtClean="0"/>
+              <a:t>9</a:t>
             </a:fld>
             <a:endParaRPr lang="zh-CN" altLang="en-US"/>
           </a:p>
@@ -15860,7 +15622,7 @@
           <p:nvPr/>
         </p:nvPicPr>
         <p:blipFill>
-          <a:blip r:embed="rId1"/>
+          <a:blip r:embed="rId3"/>
           <a:stretch>
             <a:fillRect/>
           </a:stretch>
@@ -15884,7 +15646,7 @@
 </file>
 
 <file path=ppt/tags/tag1.xml><?xml version="1.0" encoding="utf-8"?>
-<p:tagLst xmlns:p="http://schemas.openxmlformats.org/presentationml/2006/main">
+<p:tagLst xmlns:a="http://schemas.openxmlformats.org/drawingml/2006/main" xmlns:r="http://schemas.openxmlformats.org/officeDocument/2006/relationships" xmlns:p="http://schemas.openxmlformats.org/presentationml/2006/main">
   <p:tag name="KSO_WM_SLIDE_MODEL_TYPE" val="dynamicNum"/>
 </p:tagLst>
 </file>
@@ -16140,6 +15902,8 @@
       </a:bgFillStyleLst>
     </a:fmtScheme>
   </a:themeElements>
+  <a:objectDefaults/>
+  <a:extraClrSchemeLst/>
   <a:extLst>
     <a:ext uri="{05A4C25C-085E-4340-85A3-A5531E510DB2}">
       <thm15:themeFamily xmlns:thm15="http://schemas.microsoft.com/office/thememl/2012/main" name="Office Theme" id="{62F939B6-93AF-4DB8-9C6B-D6C7DFDC589F}" vid="{4A3C46E8-61CC-4603-A589-7422A47A8E4A}"/>
@@ -16399,6 +16163,8 @@
       </a:bgFillStyleLst>
     </a:fmtScheme>
   </a:themeElements>
+  <a:objectDefaults/>
+  <a:extraClrSchemeLst/>
   <a:extLst>
     <a:ext uri="{05A4C25C-085E-4340-85A3-A5531E510DB2}">
       <thm15:themeFamily xmlns:thm15="http://schemas.microsoft.com/office/thememl/2012/main" name="Office Theme" id="{62F939B6-93AF-4DB8-9C6B-D6C7DFDC589F}" vid="{4A3C46E8-61CC-4603-A589-7422A47A8E4A}"/>
